--- a/ITO5032 - Sitemap.pptx
+++ b/ITO5032 - Sitemap.pptx
@@ -282,7 +282,7 @@
           <a:p>
             <a:fld id="{224CFB0A-43A9-453F-9936-DFB8CE9F45EA}" type="datetimeFigureOut">
               <a:rPr lang="en-AU" smtClean="0"/>
-              <a:t>15/03/2025</a:t>
+              <a:t>16/03/2025</a:t>
             </a:fld>
             <a:endParaRPr lang="en-AU"/>
           </a:p>
@@ -482,7 +482,7 @@
           <a:p>
             <a:fld id="{224CFB0A-43A9-453F-9936-DFB8CE9F45EA}" type="datetimeFigureOut">
               <a:rPr lang="en-AU" smtClean="0"/>
-              <a:t>15/03/2025</a:t>
+              <a:t>16/03/2025</a:t>
             </a:fld>
             <a:endParaRPr lang="en-AU"/>
           </a:p>
@@ -692,7 +692,7 @@
           <a:p>
             <a:fld id="{224CFB0A-43A9-453F-9936-DFB8CE9F45EA}" type="datetimeFigureOut">
               <a:rPr lang="en-AU" smtClean="0"/>
-              <a:t>15/03/2025</a:t>
+              <a:t>16/03/2025</a:t>
             </a:fld>
             <a:endParaRPr lang="en-AU"/>
           </a:p>
@@ -892,7 +892,7 @@
           <a:p>
             <a:fld id="{224CFB0A-43A9-453F-9936-DFB8CE9F45EA}" type="datetimeFigureOut">
               <a:rPr lang="en-AU" smtClean="0"/>
-              <a:t>15/03/2025</a:t>
+              <a:t>16/03/2025</a:t>
             </a:fld>
             <a:endParaRPr lang="en-AU"/>
           </a:p>
@@ -1168,7 +1168,7 @@
           <a:p>
             <a:fld id="{224CFB0A-43A9-453F-9936-DFB8CE9F45EA}" type="datetimeFigureOut">
               <a:rPr lang="en-AU" smtClean="0"/>
-              <a:t>15/03/2025</a:t>
+              <a:t>16/03/2025</a:t>
             </a:fld>
             <a:endParaRPr lang="en-AU"/>
           </a:p>
@@ -1436,7 +1436,7 @@
           <a:p>
             <a:fld id="{224CFB0A-43A9-453F-9936-DFB8CE9F45EA}" type="datetimeFigureOut">
               <a:rPr lang="en-AU" smtClean="0"/>
-              <a:t>15/03/2025</a:t>
+              <a:t>16/03/2025</a:t>
             </a:fld>
             <a:endParaRPr lang="en-AU"/>
           </a:p>
@@ -1851,7 +1851,7 @@
           <a:p>
             <a:fld id="{224CFB0A-43A9-453F-9936-DFB8CE9F45EA}" type="datetimeFigureOut">
               <a:rPr lang="en-AU" smtClean="0"/>
-              <a:t>15/03/2025</a:t>
+              <a:t>16/03/2025</a:t>
             </a:fld>
             <a:endParaRPr lang="en-AU"/>
           </a:p>
@@ -1993,7 +1993,7 @@
           <a:p>
             <a:fld id="{224CFB0A-43A9-453F-9936-DFB8CE9F45EA}" type="datetimeFigureOut">
               <a:rPr lang="en-AU" smtClean="0"/>
-              <a:t>15/03/2025</a:t>
+              <a:t>16/03/2025</a:t>
             </a:fld>
             <a:endParaRPr lang="en-AU"/>
           </a:p>
@@ -2106,7 +2106,7 @@
           <a:p>
             <a:fld id="{224CFB0A-43A9-453F-9936-DFB8CE9F45EA}" type="datetimeFigureOut">
               <a:rPr lang="en-AU" smtClean="0"/>
-              <a:t>15/03/2025</a:t>
+              <a:t>16/03/2025</a:t>
             </a:fld>
             <a:endParaRPr lang="en-AU"/>
           </a:p>
@@ -2419,7 +2419,7 @@
           <a:p>
             <a:fld id="{224CFB0A-43A9-453F-9936-DFB8CE9F45EA}" type="datetimeFigureOut">
               <a:rPr lang="en-AU" smtClean="0"/>
-              <a:t>15/03/2025</a:t>
+              <a:t>16/03/2025</a:t>
             </a:fld>
             <a:endParaRPr lang="en-AU"/>
           </a:p>
@@ -2708,7 +2708,7 @@
           <a:p>
             <a:fld id="{224CFB0A-43A9-453F-9936-DFB8CE9F45EA}" type="datetimeFigureOut">
               <a:rPr lang="en-AU" smtClean="0"/>
-              <a:t>15/03/2025</a:t>
+              <a:t>16/03/2025</a:t>
             </a:fld>
             <a:endParaRPr lang="en-AU"/>
           </a:p>
@@ -2951,7 +2951,7 @@
           <a:p>
             <a:fld id="{224CFB0A-43A9-453F-9936-DFB8CE9F45EA}" type="datetimeFigureOut">
               <a:rPr lang="en-AU" smtClean="0"/>
-              <a:t>15/03/2025</a:t>
+              <a:t>16/03/2025</a:t>
             </a:fld>
             <a:endParaRPr lang="en-AU"/>
           </a:p>
@@ -3368,1487 +3368,2276 @@
           <a:chExt cx="0" cy="0"/>
         </a:xfrm>
       </p:grpSpPr>
-      <p:sp>
-        <p:nvSpPr>
-          <p:cNvPr id="19" name="Rectangle 18">
-            <a:extLst>
-              <a:ext uri="{FF2B5EF4-FFF2-40B4-BE49-F238E27FC236}">
-                <a16:creationId xmlns:a16="http://schemas.microsoft.com/office/drawing/2014/main" id="{7CF9A713-53CE-D869-C03D-D1D390596A54}"/>
-              </a:ext>
-            </a:extLst>
-          </p:cNvPr>
-          <p:cNvSpPr/>
+      <p:grpSp>
+        <p:nvGrpSpPr>
+          <p:cNvPr id="2" name="Group 1">
+            <a:extLst>
+              <a:ext uri="{FF2B5EF4-FFF2-40B4-BE49-F238E27FC236}">
+                <a16:creationId xmlns:a16="http://schemas.microsoft.com/office/drawing/2014/main" id="{2CFEEA98-16BF-BD0F-7A99-FA3A97173886}"/>
+              </a:ext>
+            </a:extLst>
+          </p:cNvPr>
+          <p:cNvGrpSpPr/>
           <p:nvPr/>
-        </p:nvSpPr>
-        <p:spPr>
+        </p:nvGrpSpPr>
+        <p:grpSpPr>
           <a:xfrm>
-            <a:off x="5211454" y="431800"/>
-            <a:ext cx="1769093" cy="576000"/>
+            <a:off x="2397034" y="431800"/>
+            <a:ext cx="9602879" cy="6073503"/>
+            <a:chOff x="192088" y="431800"/>
+            <a:chExt cx="11807825" cy="5497249"/>
           </a:xfrm>
-          <a:prstGeom prst="rect">
-            <a:avLst/>
-          </a:prstGeom>
-          <a:solidFill>
-            <a:schemeClr val="tx2"/>
-          </a:solidFill>
-          <a:ln>
+        </p:grpSpPr>
+        <p:sp>
+          <p:nvSpPr>
+            <p:cNvPr id="19" name="Rectangle 18">
+              <a:extLst>
+                <a:ext uri="{FF2B5EF4-FFF2-40B4-BE49-F238E27FC236}">
+                  <a16:creationId xmlns:a16="http://schemas.microsoft.com/office/drawing/2014/main" id="{7CF9A713-53CE-D869-C03D-D1D390596A54}"/>
+                </a:ext>
+              </a:extLst>
+            </p:cNvPr>
+            <p:cNvSpPr/>
+            <p:nvPr/>
+          </p:nvSpPr>
+          <p:spPr>
+            <a:xfrm>
+              <a:off x="5211454" y="431800"/>
+              <a:ext cx="1769093" cy="576000"/>
+            </a:xfrm>
+            <a:prstGeom prst="rect">
+              <a:avLst/>
+            </a:prstGeom>
             <a:solidFill>
               <a:schemeClr val="tx2"/>
             </a:solidFill>
-          </a:ln>
-        </p:spPr>
-        <p:style>
-          <a:lnRef idx="2">
-            <a:schemeClr val="accent1">
-              <a:shade val="15000"/>
-            </a:schemeClr>
-          </a:lnRef>
-          <a:fillRef idx="1">
-            <a:schemeClr val="accent1"/>
-          </a:fillRef>
-          <a:effectRef idx="0">
-            <a:schemeClr val="accent1"/>
-          </a:effectRef>
-          <a:fontRef idx="minor">
-            <a:schemeClr val="lt1"/>
-          </a:fontRef>
-        </p:style>
-        <p:txBody>
-          <a:bodyPr rtlCol="0" anchor="ctr"/>
-          <a:lstStyle/>
-          <a:p>
-            <a:pPr algn="ctr"/>
-            <a:r>
-              <a:rPr lang="en-AU" sz="900" dirty="0"/>
-              <a:t>Home page</a:t>
-            </a:r>
-          </a:p>
-        </p:txBody>
-      </p:sp>
-      <p:sp>
-        <p:nvSpPr>
-          <p:cNvPr id="20" name="Rectangle 19">
-            <a:extLst>
-              <a:ext uri="{FF2B5EF4-FFF2-40B4-BE49-F238E27FC236}">
-                <a16:creationId xmlns:a16="http://schemas.microsoft.com/office/drawing/2014/main" id="{CFFD93A5-465D-0012-BB25-12D83B581911}"/>
-              </a:ext>
-            </a:extLst>
-          </p:cNvPr>
-          <p:cNvSpPr/>
-          <p:nvPr/>
-        </p:nvSpPr>
-        <p:spPr>
-          <a:xfrm>
-            <a:off x="192088" y="1495424"/>
-            <a:ext cx="1769093" cy="576000"/>
-          </a:xfrm>
-          <a:prstGeom prst="rect">
-            <a:avLst/>
-          </a:prstGeom>
-          <a:ln>
-            <a:solidFill>
-              <a:schemeClr val="accent1"/>
-            </a:solidFill>
-          </a:ln>
-        </p:spPr>
-        <p:style>
-          <a:lnRef idx="2">
-            <a:schemeClr val="accent1">
-              <a:shade val="15000"/>
-            </a:schemeClr>
-          </a:lnRef>
-          <a:fillRef idx="1">
-            <a:schemeClr val="accent1"/>
-          </a:fillRef>
-          <a:effectRef idx="0">
-            <a:schemeClr val="accent1"/>
-          </a:effectRef>
-          <a:fontRef idx="minor">
-            <a:schemeClr val="lt1"/>
-          </a:fontRef>
-        </p:style>
-        <p:txBody>
-          <a:bodyPr rtlCol="0" anchor="ctr"/>
-          <a:lstStyle/>
-          <a:p>
-            <a:pPr algn="ctr"/>
-            <a:r>
-              <a:rPr lang="en-AU" sz="900" dirty="0"/>
-              <a:t>User login / sign up</a:t>
-            </a:r>
-          </a:p>
-        </p:txBody>
-      </p:sp>
-      <p:sp>
-        <p:nvSpPr>
-          <p:cNvPr id="21" name="Rectangle 20">
-            <a:extLst>
-              <a:ext uri="{FF2B5EF4-FFF2-40B4-BE49-F238E27FC236}">
-                <a16:creationId xmlns:a16="http://schemas.microsoft.com/office/drawing/2014/main" id="{81C0E3FD-56AB-1918-2C3B-3090C11B398C}"/>
-              </a:ext>
-            </a:extLst>
-          </p:cNvPr>
-          <p:cNvSpPr/>
-          <p:nvPr/>
-        </p:nvSpPr>
-        <p:spPr>
-          <a:xfrm>
-            <a:off x="4207581" y="1495424"/>
-            <a:ext cx="1769093" cy="576000"/>
-          </a:xfrm>
-          <a:prstGeom prst="rect">
-            <a:avLst/>
-          </a:prstGeom>
-          <a:ln>
-            <a:solidFill>
-              <a:schemeClr val="accent1"/>
-            </a:solidFill>
-          </a:ln>
-        </p:spPr>
-        <p:style>
-          <a:lnRef idx="2">
-            <a:schemeClr val="accent1">
-              <a:shade val="15000"/>
-            </a:schemeClr>
-          </a:lnRef>
-          <a:fillRef idx="1">
-            <a:schemeClr val="accent1"/>
-          </a:fillRef>
-          <a:effectRef idx="0">
-            <a:schemeClr val="accent1"/>
-          </a:effectRef>
-          <a:fontRef idx="minor">
-            <a:schemeClr val="lt1"/>
-          </a:fontRef>
-        </p:style>
-        <p:txBody>
-          <a:bodyPr rtlCol="0" anchor="ctr"/>
-          <a:lstStyle/>
-          <a:p>
-            <a:pPr algn="ctr"/>
-            <a:r>
-              <a:rPr lang="en-AU" sz="900" dirty="0"/>
-              <a:t>Publications page</a:t>
-            </a:r>
-          </a:p>
-        </p:txBody>
-      </p:sp>
-      <p:sp>
-        <p:nvSpPr>
-          <p:cNvPr id="22" name="Rectangle 21">
-            <a:extLst>
-              <a:ext uri="{FF2B5EF4-FFF2-40B4-BE49-F238E27FC236}">
-                <a16:creationId xmlns:a16="http://schemas.microsoft.com/office/drawing/2014/main" id="{02D3B73D-2924-3D41-5060-AC6DF063E610}"/>
-              </a:ext>
-            </a:extLst>
-          </p:cNvPr>
-          <p:cNvSpPr/>
-          <p:nvPr/>
-        </p:nvSpPr>
-        <p:spPr>
-          <a:xfrm>
-            <a:off x="8223073" y="1495424"/>
-            <a:ext cx="1769093" cy="576000"/>
-          </a:xfrm>
-          <a:prstGeom prst="rect">
-            <a:avLst/>
-          </a:prstGeom>
-          <a:ln>
-            <a:solidFill>
-              <a:schemeClr val="accent1"/>
-            </a:solidFill>
-          </a:ln>
-        </p:spPr>
-        <p:style>
-          <a:lnRef idx="2">
-            <a:schemeClr val="accent1">
-              <a:shade val="15000"/>
-            </a:schemeClr>
-          </a:lnRef>
-          <a:fillRef idx="1">
-            <a:schemeClr val="accent1"/>
-          </a:fillRef>
-          <a:effectRef idx="0">
-            <a:schemeClr val="accent1"/>
-          </a:effectRef>
-          <a:fontRef idx="minor">
-            <a:schemeClr val="lt1"/>
-          </a:fontRef>
-        </p:style>
-        <p:txBody>
-          <a:bodyPr rtlCol="0" anchor="ctr"/>
-          <a:lstStyle/>
-          <a:p>
-            <a:pPr algn="ctr"/>
-            <a:r>
-              <a:rPr lang="en-AU" sz="900" dirty="0"/>
-              <a:t>Donations</a:t>
-            </a:r>
-          </a:p>
-        </p:txBody>
-      </p:sp>
-      <p:sp>
-        <p:nvSpPr>
-          <p:cNvPr id="26" name="Rectangle 25">
-            <a:extLst>
-              <a:ext uri="{FF2B5EF4-FFF2-40B4-BE49-F238E27FC236}">
-                <a16:creationId xmlns:a16="http://schemas.microsoft.com/office/drawing/2014/main" id="{EC77ADC2-35A1-F9DB-943C-CD78BC9B04AD}"/>
-              </a:ext>
-            </a:extLst>
-          </p:cNvPr>
-          <p:cNvSpPr/>
-          <p:nvPr/>
-        </p:nvSpPr>
-        <p:spPr>
-          <a:xfrm>
-            <a:off x="2199834" y="1495424"/>
-            <a:ext cx="1769093" cy="576000"/>
-          </a:xfrm>
-          <a:prstGeom prst="rect">
-            <a:avLst/>
-          </a:prstGeom>
-          <a:ln>
-            <a:solidFill>
-              <a:schemeClr val="accent1"/>
-            </a:solidFill>
-          </a:ln>
-        </p:spPr>
-        <p:style>
-          <a:lnRef idx="2">
-            <a:schemeClr val="accent1">
-              <a:shade val="15000"/>
-            </a:schemeClr>
-          </a:lnRef>
-          <a:fillRef idx="1">
-            <a:schemeClr val="accent1"/>
-          </a:fillRef>
-          <a:effectRef idx="0">
-            <a:schemeClr val="accent1"/>
-          </a:effectRef>
-          <a:fontRef idx="minor">
-            <a:schemeClr val="lt1"/>
-          </a:fontRef>
-        </p:style>
-        <p:txBody>
-          <a:bodyPr rtlCol="0" anchor="ctr"/>
-          <a:lstStyle/>
-          <a:p>
-            <a:pPr algn="ctr"/>
-            <a:r>
-              <a:rPr lang="en-AU" sz="900" dirty="0"/>
-              <a:t>Community page</a:t>
-            </a:r>
-          </a:p>
-        </p:txBody>
-      </p:sp>
-      <p:sp>
-        <p:nvSpPr>
-          <p:cNvPr id="27" name="Rectangle 26">
-            <a:extLst>
-              <a:ext uri="{FF2B5EF4-FFF2-40B4-BE49-F238E27FC236}">
-                <a16:creationId xmlns:a16="http://schemas.microsoft.com/office/drawing/2014/main" id="{9835BFD5-F769-B323-82D8-3466CFE942F5}"/>
-              </a:ext>
-            </a:extLst>
-          </p:cNvPr>
-          <p:cNvSpPr/>
-          <p:nvPr/>
-        </p:nvSpPr>
-        <p:spPr>
-          <a:xfrm>
-            <a:off x="6215327" y="1495424"/>
-            <a:ext cx="1769093" cy="576000"/>
-          </a:xfrm>
-          <a:prstGeom prst="rect">
-            <a:avLst/>
-          </a:prstGeom>
-          <a:ln>
-            <a:solidFill>
-              <a:schemeClr val="accent1"/>
-            </a:solidFill>
-          </a:ln>
-        </p:spPr>
-        <p:style>
-          <a:lnRef idx="2">
-            <a:schemeClr val="accent1">
-              <a:shade val="15000"/>
-            </a:schemeClr>
-          </a:lnRef>
-          <a:fillRef idx="1">
-            <a:schemeClr val="accent1"/>
-          </a:fillRef>
-          <a:effectRef idx="0">
-            <a:schemeClr val="accent1"/>
-          </a:effectRef>
-          <a:fontRef idx="minor">
-            <a:schemeClr val="lt1"/>
-          </a:fontRef>
-        </p:style>
-        <p:txBody>
-          <a:bodyPr rtlCol="0" anchor="ctr"/>
-          <a:lstStyle/>
-          <a:p>
-            <a:pPr algn="ctr"/>
-            <a:r>
-              <a:rPr lang="en-AU" sz="900" dirty="0"/>
-              <a:t>Resources page</a:t>
-            </a:r>
-          </a:p>
-        </p:txBody>
-      </p:sp>
-      <p:sp>
-        <p:nvSpPr>
-          <p:cNvPr id="28" name="Rectangle 27">
-            <a:extLst>
-              <a:ext uri="{FF2B5EF4-FFF2-40B4-BE49-F238E27FC236}">
-                <a16:creationId xmlns:a16="http://schemas.microsoft.com/office/drawing/2014/main" id="{71941663-2B1A-1068-287B-3ED545DF5A97}"/>
-              </a:ext>
-            </a:extLst>
-          </p:cNvPr>
-          <p:cNvSpPr/>
-          <p:nvPr/>
-        </p:nvSpPr>
-        <p:spPr>
-          <a:xfrm>
-            <a:off x="10230820" y="1495424"/>
-            <a:ext cx="1769093" cy="576000"/>
-          </a:xfrm>
-          <a:prstGeom prst="rect">
-            <a:avLst/>
-          </a:prstGeom>
-          <a:ln>
-            <a:solidFill>
-              <a:schemeClr val="accent1"/>
-            </a:solidFill>
-          </a:ln>
-        </p:spPr>
-        <p:style>
-          <a:lnRef idx="2">
-            <a:schemeClr val="accent1">
-              <a:shade val="15000"/>
-            </a:schemeClr>
-          </a:lnRef>
-          <a:fillRef idx="1">
-            <a:schemeClr val="accent1"/>
-          </a:fillRef>
-          <a:effectRef idx="0">
-            <a:schemeClr val="accent1"/>
-          </a:effectRef>
-          <a:fontRef idx="minor">
-            <a:schemeClr val="lt1"/>
-          </a:fontRef>
-        </p:style>
-        <p:txBody>
-          <a:bodyPr rtlCol="0" anchor="ctr"/>
-          <a:lstStyle/>
-          <a:p>
-            <a:pPr algn="ctr"/>
-            <a:r>
-              <a:rPr lang="en-AU" sz="900" dirty="0"/>
-              <a:t>Contact us</a:t>
-            </a:r>
-          </a:p>
-        </p:txBody>
-      </p:sp>
-      <p:sp>
-        <p:nvSpPr>
-          <p:cNvPr id="30" name="Rectangle 29">
-            <a:extLst>
-              <a:ext uri="{FF2B5EF4-FFF2-40B4-BE49-F238E27FC236}">
-                <a16:creationId xmlns:a16="http://schemas.microsoft.com/office/drawing/2014/main" id="{25670AB7-4BD4-6DBE-EA9C-BF83593DE0B0}"/>
-              </a:ext>
-            </a:extLst>
-          </p:cNvPr>
-          <p:cNvSpPr/>
-          <p:nvPr/>
-        </p:nvSpPr>
-        <p:spPr>
-          <a:xfrm>
-            <a:off x="435411" y="2266949"/>
-            <a:ext cx="1525770" cy="576000"/>
-          </a:xfrm>
-          <a:prstGeom prst="rect">
-            <a:avLst/>
-          </a:prstGeom>
-          <a:solidFill>
-            <a:schemeClr val="accent1">
-              <a:lumMod val="20000"/>
-              <a:lumOff val="80000"/>
-            </a:schemeClr>
-          </a:solidFill>
-          <a:ln>
+            <a:ln>
+              <a:solidFill>
+                <a:schemeClr val="tx2"/>
+              </a:solidFill>
+            </a:ln>
+          </p:spPr>
+          <p:style>
+            <a:lnRef idx="2">
+              <a:schemeClr val="accent1">
+                <a:shade val="15000"/>
+              </a:schemeClr>
+            </a:lnRef>
+            <a:fillRef idx="1">
+              <a:schemeClr val="accent1"/>
+            </a:fillRef>
+            <a:effectRef idx="0">
+              <a:schemeClr val="accent1"/>
+            </a:effectRef>
+            <a:fontRef idx="minor">
+              <a:schemeClr val="lt1"/>
+            </a:fontRef>
+          </p:style>
+          <p:txBody>
+            <a:bodyPr rtlCol="0" anchor="ctr"/>
+            <a:lstStyle/>
+            <a:p>
+              <a:pPr algn="ctr"/>
+              <a:r>
+                <a:rPr lang="en-AU" sz="900" dirty="0"/>
+                <a:t>Home page</a:t>
+              </a:r>
+            </a:p>
+          </p:txBody>
+        </p:sp>
+        <p:sp>
+          <p:nvSpPr>
+            <p:cNvPr id="20" name="Rectangle 19">
+              <a:extLst>
+                <a:ext uri="{FF2B5EF4-FFF2-40B4-BE49-F238E27FC236}">
+                  <a16:creationId xmlns:a16="http://schemas.microsoft.com/office/drawing/2014/main" id="{CFFD93A5-465D-0012-BB25-12D83B581911}"/>
+                </a:ext>
+              </a:extLst>
+            </p:cNvPr>
+            <p:cNvSpPr/>
+            <p:nvPr/>
+          </p:nvSpPr>
+          <p:spPr>
+            <a:xfrm>
+              <a:off x="192088" y="1495424"/>
+              <a:ext cx="1769093" cy="576000"/>
+            </a:xfrm>
+            <a:prstGeom prst="rect">
+              <a:avLst/>
+            </a:prstGeom>
+            <a:ln>
+              <a:solidFill>
+                <a:schemeClr val="accent1"/>
+              </a:solidFill>
+            </a:ln>
+          </p:spPr>
+          <p:style>
+            <a:lnRef idx="2">
+              <a:schemeClr val="accent1">
+                <a:shade val="15000"/>
+              </a:schemeClr>
+            </a:lnRef>
+            <a:fillRef idx="1">
+              <a:schemeClr val="accent1"/>
+            </a:fillRef>
+            <a:effectRef idx="0">
+              <a:schemeClr val="accent1"/>
+            </a:effectRef>
+            <a:fontRef idx="minor">
+              <a:schemeClr val="lt1"/>
+            </a:fontRef>
+          </p:style>
+          <p:txBody>
+            <a:bodyPr rtlCol="0" anchor="ctr"/>
+            <a:lstStyle/>
+            <a:p>
+              <a:pPr algn="ctr"/>
+              <a:r>
+                <a:rPr lang="en-AU" sz="900" dirty="0"/>
+                <a:t>User login / sign up</a:t>
+              </a:r>
+            </a:p>
+          </p:txBody>
+        </p:sp>
+        <p:sp>
+          <p:nvSpPr>
+            <p:cNvPr id="21" name="Rectangle 20">
+              <a:extLst>
+                <a:ext uri="{FF2B5EF4-FFF2-40B4-BE49-F238E27FC236}">
+                  <a16:creationId xmlns:a16="http://schemas.microsoft.com/office/drawing/2014/main" id="{81C0E3FD-56AB-1918-2C3B-3090C11B398C}"/>
+                </a:ext>
+              </a:extLst>
+            </p:cNvPr>
+            <p:cNvSpPr/>
+            <p:nvPr/>
+          </p:nvSpPr>
+          <p:spPr>
+            <a:xfrm>
+              <a:off x="4207581" y="1495424"/>
+              <a:ext cx="1769093" cy="576000"/>
+            </a:xfrm>
+            <a:prstGeom prst="rect">
+              <a:avLst/>
+            </a:prstGeom>
+            <a:ln>
+              <a:solidFill>
+                <a:schemeClr val="accent1"/>
+              </a:solidFill>
+            </a:ln>
+          </p:spPr>
+          <p:style>
+            <a:lnRef idx="2">
+              <a:schemeClr val="accent1">
+                <a:shade val="15000"/>
+              </a:schemeClr>
+            </a:lnRef>
+            <a:fillRef idx="1">
+              <a:schemeClr val="accent1"/>
+            </a:fillRef>
+            <a:effectRef idx="0">
+              <a:schemeClr val="accent1"/>
+            </a:effectRef>
+            <a:fontRef idx="minor">
+              <a:schemeClr val="lt1"/>
+            </a:fontRef>
+          </p:style>
+          <p:txBody>
+            <a:bodyPr rtlCol="0" anchor="ctr"/>
+            <a:lstStyle/>
+            <a:p>
+              <a:pPr algn="ctr"/>
+              <a:r>
+                <a:rPr lang="en-AU" sz="900" dirty="0"/>
+                <a:t>Publications page</a:t>
+              </a:r>
+            </a:p>
+          </p:txBody>
+        </p:sp>
+        <p:sp>
+          <p:nvSpPr>
+            <p:cNvPr id="22" name="Rectangle 21">
+              <a:extLst>
+                <a:ext uri="{FF2B5EF4-FFF2-40B4-BE49-F238E27FC236}">
+                  <a16:creationId xmlns:a16="http://schemas.microsoft.com/office/drawing/2014/main" id="{02D3B73D-2924-3D41-5060-AC6DF063E610}"/>
+                </a:ext>
+              </a:extLst>
+            </p:cNvPr>
+            <p:cNvSpPr/>
+            <p:nvPr/>
+          </p:nvSpPr>
+          <p:spPr>
+            <a:xfrm>
+              <a:off x="8223073" y="1495424"/>
+              <a:ext cx="1769093" cy="576000"/>
+            </a:xfrm>
+            <a:prstGeom prst="rect">
+              <a:avLst/>
+            </a:prstGeom>
+            <a:ln>
+              <a:solidFill>
+                <a:schemeClr val="accent1"/>
+              </a:solidFill>
+            </a:ln>
+          </p:spPr>
+          <p:style>
+            <a:lnRef idx="2">
+              <a:schemeClr val="accent1">
+                <a:shade val="15000"/>
+              </a:schemeClr>
+            </a:lnRef>
+            <a:fillRef idx="1">
+              <a:schemeClr val="accent1"/>
+            </a:fillRef>
+            <a:effectRef idx="0">
+              <a:schemeClr val="accent1"/>
+            </a:effectRef>
+            <a:fontRef idx="minor">
+              <a:schemeClr val="lt1"/>
+            </a:fontRef>
+          </p:style>
+          <p:txBody>
+            <a:bodyPr rtlCol="0" anchor="ctr"/>
+            <a:lstStyle/>
+            <a:p>
+              <a:pPr algn="ctr"/>
+              <a:r>
+                <a:rPr lang="en-AU" sz="900" dirty="0"/>
+                <a:t>Donations</a:t>
+              </a:r>
+            </a:p>
+          </p:txBody>
+        </p:sp>
+        <p:sp>
+          <p:nvSpPr>
+            <p:cNvPr id="26" name="Rectangle 25">
+              <a:extLst>
+                <a:ext uri="{FF2B5EF4-FFF2-40B4-BE49-F238E27FC236}">
+                  <a16:creationId xmlns:a16="http://schemas.microsoft.com/office/drawing/2014/main" id="{EC77ADC2-35A1-F9DB-943C-CD78BC9B04AD}"/>
+                </a:ext>
+              </a:extLst>
+            </p:cNvPr>
+            <p:cNvSpPr/>
+            <p:nvPr/>
+          </p:nvSpPr>
+          <p:spPr>
+            <a:xfrm>
+              <a:off x="2199834" y="1495424"/>
+              <a:ext cx="1769093" cy="576000"/>
+            </a:xfrm>
+            <a:prstGeom prst="rect">
+              <a:avLst/>
+            </a:prstGeom>
+            <a:ln>
+              <a:solidFill>
+                <a:schemeClr val="accent1"/>
+              </a:solidFill>
+            </a:ln>
+          </p:spPr>
+          <p:style>
+            <a:lnRef idx="2">
+              <a:schemeClr val="accent1">
+                <a:shade val="15000"/>
+              </a:schemeClr>
+            </a:lnRef>
+            <a:fillRef idx="1">
+              <a:schemeClr val="accent1"/>
+            </a:fillRef>
+            <a:effectRef idx="0">
+              <a:schemeClr val="accent1"/>
+            </a:effectRef>
+            <a:fontRef idx="minor">
+              <a:schemeClr val="lt1"/>
+            </a:fontRef>
+          </p:style>
+          <p:txBody>
+            <a:bodyPr rtlCol="0" anchor="ctr"/>
+            <a:lstStyle/>
+            <a:p>
+              <a:pPr algn="ctr"/>
+              <a:r>
+                <a:rPr lang="en-AU" sz="900" dirty="0"/>
+                <a:t>Community page</a:t>
+              </a:r>
+            </a:p>
+          </p:txBody>
+        </p:sp>
+        <p:sp>
+          <p:nvSpPr>
+            <p:cNvPr id="27" name="Rectangle 26">
+              <a:extLst>
+                <a:ext uri="{FF2B5EF4-FFF2-40B4-BE49-F238E27FC236}">
+                  <a16:creationId xmlns:a16="http://schemas.microsoft.com/office/drawing/2014/main" id="{9835BFD5-F769-B323-82D8-3466CFE942F5}"/>
+                </a:ext>
+              </a:extLst>
+            </p:cNvPr>
+            <p:cNvSpPr/>
+            <p:nvPr/>
+          </p:nvSpPr>
+          <p:spPr>
+            <a:xfrm>
+              <a:off x="6215327" y="1495424"/>
+              <a:ext cx="1769093" cy="576000"/>
+            </a:xfrm>
+            <a:prstGeom prst="rect">
+              <a:avLst/>
+            </a:prstGeom>
+            <a:ln>
+              <a:solidFill>
+                <a:schemeClr val="accent1"/>
+              </a:solidFill>
+            </a:ln>
+          </p:spPr>
+          <p:style>
+            <a:lnRef idx="2">
+              <a:schemeClr val="accent1">
+                <a:shade val="15000"/>
+              </a:schemeClr>
+            </a:lnRef>
+            <a:fillRef idx="1">
+              <a:schemeClr val="accent1"/>
+            </a:fillRef>
+            <a:effectRef idx="0">
+              <a:schemeClr val="accent1"/>
+            </a:effectRef>
+            <a:fontRef idx="minor">
+              <a:schemeClr val="lt1"/>
+            </a:fontRef>
+          </p:style>
+          <p:txBody>
+            <a:bodyPr rtlCol="0" anchor="ctr"/>
+            <a:lstStyle/>
+            <a:p>
+              <a:pPr algn="ctr"/>
+              <a:r>
+                <a:rPr lang="en-AU" sz="900" dirty="0"/>
+                <a:t>Resources page</a:t>
+              </a:r>
+            </a:p>
+          </p:txBody>
+        </p:sp>
+        <p:sp>
+          <p:nvSpPr>
+            <p:cNvPr id="28" name="Rectangle 27">
+              <a:extLst>
+                <a:ext uri="{FF2B5EF4-FFF2-40B4-BE49-F238E27FC236}">
+                  <a16:creationId xmlns:a16="http://schemas.microsoft.com/office/drawing/2014/main" id="{71941663-2B1A-1068-287B-3ED545DF5A97}"/>
+                </a:ext>
+              </a:extLst>
+            </p:cNvPr>
+            <p:cNvSpPr/>
+            <p:nvPr/>
+          </p:nvSpPr>
+          <p:spPr>
+            <a:xfrm>
+              <a:off x="10230820" y="1495424"/>
+              <a:ext cx="1769093" cy="576000"/>
+            </a:xfrm>
+            <a:prstGeom prst="rect">
+              <a:avLst/>
+            </a:prstGeom>
+            <a:ln>
+              <a:solidFill>
+                <a:schemeClr val="accent1"/>
+              </a:solidFill>
+            </a:ln>
+          </p:spPr>
+          <p:style>
+            <a:lnRef idx="2">
+              <a:schemeClr val="accent1">
+                <a:shade val="15000"/>
+              </a:schemeClr>
+            </a:lnRef>
+            <a:fillRef idx="1">
+              <a:schemeClr val="accent1"/>
+            </a:fillRef>
+            <a:effectRef idx="0">
+              <a:schemeClr val="accent1"/>
+            </a:effectRef>
+            <a:fontRef idx="minor">
+              <a:schemeClr val="lt1"/>
+            </a:fontRef>
+          </p:style>
+          <p:txBody>
+            <a:bodyPr rtlCol="0" anchor="ctr"/>
+            <a:lstStyle/>
+            <a:p>
+              <a:pPr algn="ctr"/>
+              <a:r>
+                <a:rPr lang="en-AU" sz="900" dirty="0"/>
+                <a:t>Contact us</a:t>
+              </a:r>
+            </a:p>
+          </p:txBody>
+        </p:sp>
+        <p:sp>
+          <p:nvSpPr>
+            <p:cNvPr id="30" name="Rectangle 29">
+              <a:extLst>
+                <a:ext uri="{FF2B5EF4-FFF2-40B4-BE49-F238E27FC236}">
+                  <a16:creationId xmlns:a16="http://schemas.microsoft.com/office/drawing/2014/main" id="{25670AB7-4BD4-6DBE-EA9C-BF83593DE0B0}"/>
+                </a:ext>
+              </a:extLst>
+            </p:cNvPr>
+            <p:cNvSpPr/>
+            <p:nvPr/>
+          </p:nvSpPr>
+          <p:spPr>
+            <a:xfrm>
+              <a:off x="435411" y="2266949"/>
+              <a:ext cx="1525770" cy="576000"/>
+            </a:xfrm>
+            <a:prstGeom prst="rect">
+              <a:avLst/>
+            </a:prstGeom>
             <a:solidFill>
               <a:schemeClr val="accent1">
                 <a:lumMod val="20000"/>
                 <a:lumOff val="80000"/>
               </a:schemeClr>
             </a:solidFill>
-          </a:ln>
-        </p:spPr>
-        <p:style>
-          <a:lnRef idx="2">
-            <a:schemeClr val="accent1">
-              <a:shade val="15000"/>
-            </a:schemeClr>
-          </a:lnRef>
-          <a:fillRef idx="1">
-            <a:schemeClr val="accent1"/>
-          </a:fillRef>
-          <a:effectRef idx="0">
-            <a:schemeClr val="accent1"/>
-          </a:effectRef>
-          <a:fontRef idx="minor">
-            <a:schemeClr val="lt1"/>
-          </a:fontRef>
-        </p:style>
-        <p:txBody>
-          <a:bodyPr rtlCol="0" anchor="ctr"/>
-          <a:lstStyle/>
-          <a:p>
-            <a:pPr algn="ctr"/>
-            <a:r>
-              <a:rPr lang="en-AU" sz="900" dirty="0">
-                <a:solidFill>
-                  <a:schemeClr val="tx1"/>
-                </a:solidFill>
-              </a:rPr>
-              <a:t>Login</a:t>
-            </a:r>
-          </a:p>
-        </p:txBody>
-      </p:sp>
-      <p:sp>
-        <p:nvSpPr>
-          <p:cNvPr id="31" name="Rectangle 30">
-            <a:extLst>
-              <a:ext uri="{FF2B5EF4-FFF2-40B4-BE49-F238E27FC236}">
-                <a16:creationId xmlns:a16="http://schemas.microsoft.com/office/drawing/2014/main" id="{4BB5C6E4-DF3D-A884-261F-783381DDF581}"/>
-              </a:ext>
-            </a:extLst>
-          </p:cNvPr>
-          <p:cNvSpPr/>
-          <p:nvPr/>
-        </p:nvSpPr>
-        <p:spPr>
-          <a:xfrm>
-            <a:off x="435411" y="3038474"/>
-            <a:ext cx="1525770" cy="576000"/>
-          </a:xfrm>
-          <a:prstGeom prst="rect">
-            <a:avLst/>
-          </a:prstGeom>
-          <a:solidFill>
-            <a:schemeClr val="accent1">
-              <a:lumMod val="20000"/>
-              <a:lumOff val="80000"/>
-            </a:schemeClr>
-          </a:solidFill>
-          <a:ln>
+            <a:ln>
+              <a:solidFill>
+                <a:schemeClr val="accent1">
+                  <a:lumMod val="20000"/>
+                  <a:lumOff val="80000"/>
+                </a:schemeClr>
+              </a:solidFill>
+            </a:ln>
+          </p:spPr>
+          <p:style>
+            <a:lnRef idx="2">
+              <a:schemeClr val="accent1">
+                <a:shade val="15000"/>
+              </a:schemeClr>
+            </a:lnRef>
+            <a:fillRef idx="1">
+              <a:schemeClr val="accent1"/>
+            </a:fillRef>
+            <a:effectRef idx="0">
+              <a:schemeClr val="accent1"/>
+            </a:effectRef>
+            <a:fontRef idx="minor">
+              <a:schemeClr val="lt1"/>
+            </a:fontRef>
+          </p:style>
+          <p:txBody>
+            <a:bodyPr rtlCol="0" anchor="ctr"/>
+            <a:lstStyle/>
+            <a:p>
+              <a:pPr algn="ctr"/>
+              <a:r>
+                <a:rPr lang="en-AU" sz="900" dirty="0">
+                  <a:solidFill>
+                    <a:schemeClr val="tx1"/>
+                  </a:solidFill>
+                </a:rPr>
+                <a:t>Login</a:t>
+              </a:r>
+            </a:p>
+          </p:txBody>
+        </p:sp>
+        <p:sp>
+          <p:nvSpPr>
+            <p:cNvPr id="31" name="Rectangle 30">
+              <a:extLst>
+                <a:ext uri="{FF2B5EF4-FFF2-40B4-BE49-F238E27FC236}">
+                  <a16:creationId xmlns:a16="http://schemas.microsoft.com/office/drawing/2014/main" id="{4BB5C6E4-DF3D-A884-261F-783381DDF581}"/>
+                </a:ext>
+              </a:extLst>
+            </p:cNvPr>
+            <p:cNvSpPr/>
+            <p:nvPr/>
+          </p:nvSpPr>
+          <p:spPr>
+            <a:xfrm>
+              <a:off x="435411" y="3038474"/>
+              <a:ext cx="1525770" cy="576000"/>
+            </a:xfrm>
+            <a:prstGeom prst="rect">
+              <a:avLst/>
+            </a:prstGeom>
             <a:solidFill>
               <a:schemeClr val="accent1">
                 <a:lumMod val="20000"/>
                 <a:lumOff val="80000"/>
               </a:schemeClr>
             </a:solidFill>
-          </a:ln>
-        </p:spPr>
-        <p:style>
-          <a:lnRef idx="2">
-            <a:schemeClr val="accent1">
-              <a:shade val="15000"/>
-            </a:schemeClr>
-          </a:lnRef>
-          <a:fillRef idx="1">
-            <a:schemeClr val="accent1"/>
-          </a:fillRef>
-          <a:effectRef idx="0">
-            <a:schemeClr val="accent1"/>
-          </a:effectRef>
-          <a:fontRef idx="minor">
-            <a:schemeClr val="lt1"/>
-          </a:fontRef>
-        </p:style>
-        <p:txBody>
-          <a:bodyPr rtlCol="0" anchor="ctr"/>
-          <a:lstStyle/>
-          <a:p>
-            <a:pPr algn="ctr"/>
-            <a:r>
-              <a:rPr lang="en-AU" sz="900" dirty="0">
-                <a:solidFill>
-                  <a:schemeClr val="tx1"/>
-                </a:solidFill>
-              </a:rPr>
-              <a:t>Forgot username /  password</a:t>
-            </a:r>
-          </a:p>
-        </p:txBody>
-      </p:sp>
-      <p:sp>
-        <p:nvSpPr>
-          <p:cNvPr id="32" name="Rectangle 31">
-            <a:extLst>
-              <a:ext uri="{FF2B5EF4-FFF2-40B4-BE49-F238E27FC236}">
-                <a16:creationId xmlns:a16="http://schemas.microsoft.com/office/drawing/2014/main" id="{FBF0029D-BD1C-63E9-2048-1D9AAEC1EE6A}"/>
-              </a:ext>
-            </a:extLst>
-          </p:cNvPr>
-          <p:cNvSpPr/>
-          <p:nvPr/>
-        </p:nvSpPr>
-        <p:spPr>
-          <a:xfrm>
-            <a:off x="435411" y="3809999"/>
-            <a:ext cx="1525770" cy="576000"/>
-          </a:xfrm>
-          <a:prstGeom prst="rect">
-            <a:avLst/>
-          </a:prstGeom>
-          <a:solidFill>
-            <a:schemeClr val="accent1">
-              <a:lumMod val="20000"/>
-              <a:lumOff val="80000"/>
-            </a:schemeClr>
-          </a:solidFill>
-          <a:ln>
+            <a:ln>
+              <a:solidFill>
+                <a:schemeClr val="accent1">
+                  <a:lumMod val="20000"/>
+                  <a:lumOff val="80000"/>
+                </a:schemeClr>
+              </a:solidFill>
+            </a:ln>
+          </p:spPr>
+          <p:style>
+            <a:lnRef idx="2">
+              <a:schemeClr val="accent1">
+                <a:shade val="15000"/>
+              </a:schemeClr>
+            </a:lnRef>
+            <a:fillRef idx="1">
+              <a:schemeClr val="accent1"/>
+            </a:fillRef>
+            <a:effectRef idx="0">
+              <a:schemeClr val="accent1"/>
+            </a:effectRef>
+            <a:fontRef idx="minor">
+              <a:schemeClr val="lt1"/>
+            </a:fontRef>
+          </p:style>
+          <p:txBody>
+            <a:bodyPr rtlCol="0" anchor="ctr"/>
+            <a:lstStyle/>
+            <a:p>
+              <a:pPr algn="ctr"/>
+              <a:r>
+                <a:rPr lang="en-AU" sz="900" dirty="0">
+                  <a:solidFill>
+                    <a:schemeClr val="tx1"/>
+                  </a:solidFill>
+                </a:rPr>
+                <a:t>Forgot username /  password</a:t>
+              </a:r>
+            </a:p>
+          </p:txBody>
+        </p:sp>
+        <p:sp>
+          <p:nvSpPr>
+            <p:cNvPr id="32" name="Rectangle 31">
+              <a:extLst>
+                <a:ext uri="{FF2B5EF4-FFF2-40B4-BE49-F238E27FC236}">
+                  <a16:creationId xmlns:a16="http://schemas.microsoft.com/office/drawing/2014/main" id="{FBF0029D-BD1C-63E9-2048-1D9AAEC1EE6A}"/>
+                </a:ext>
+              </a:extLst>
+            </p:cNvPr>
+            <p:cNvSpPr/>
+            <p:nvPr/>
+          </p:nvSpPr>
+          <p:spPr>
+            <a:xfrm>
+              <a:off x="435411" y="3809999"/>
+              <a:ext cx="1525770" cy="576000"/>
+            </a:xfrm>
+            <a:prstGeom prst="rect">
+              <a:avLst/>
+            </a:prstGeom>
             <a:solidFill>
               <a:schemeClr val="accent1">
                 <a:lumMod val="20000"/>
                 <a:lumOff val="80000"/>
               </a:schemeClr>
             </a:solidFill>
-          </a:ln>
-        </p:spPr>
-        <p:style>
-          <a:lnRef idx="2">
-            <a:schemeClr val="accent1">
-              <a:shade val="15000"/>
-            </a:schemeClr>
-          </a:lnRef>
-          <a:fillRef idx="1">
-            <a:schemeClr val="accent1"/>
-          </a:fillRef>
-          <a:effectRef idx="0">
-            <a:schemeClr val="accent1"/>
-          </a:effectRef>
-          <a:fontRef idx="minor">
-            <a:schemeClr val="lt1"/>
-          </a:fontRef>
-        </p:style>
-        <p:txBody>
-          <a:bodyPr rtlCol="0" anchor="ctr"/>
-          <a:lstStyle/>
-          <a:p>
-            <a:pPr algn="ctr"/>
-            <a:r>
-              <a:rPr lang="en-AU" sz="900" dirty="0">
-                <a:solidFill>
-                  <a:schemeClr val="tx1"/>
-                </a:solidFill>
-              </a:rPr>
-              <a:t>Register</a:t>
-            </a:r>
-          </a:p>
-        </p:txBody>
-      </p:sp>
-      <p:sp>
-        <p:nvSpPr>
-          <p:cNvPr id="35" name="Rectangle 34">
-            <a:extLst>
-              <a:ext uri="{FF2B5EF4-FFF2-40B4-BE49-F238E27FC236}">
-                <a16:creationId xmlns:a16="http://schemas.microsoft.com/office/drawing/2014/main" id="{5F4BBDFE-4C42-D274-ED1E-808882777E92}"/>
-              </a:ext>
-            </a:extLst>
-          </p:cNvPr>
-          <p:cNvSpPr/>
-          <p:nvPr/>
-        </p:nvSpPr>
-        <p:spPr>
-          <a:xfrm>
-            <a:off x="2443157" y="2266949"/>
-            <a:ext cx="1525770" cy="576000"/>
-          </a:xfrm>
-          <a:prstGeom prst="rect">
-            <a:avLst/>
-          </a:prstGeom>
-          <a:solidFill>
-            <a:schemeClr val="accent1">
-              <a:lumMod val="20000"/>
-              <a:lumOff val="80000"/>
-            </a:schemeClr>
-          </a:solidFill>
-          <a:ln>
+            <a:ln>
+              <a:solidFill>
+                <a:schemeClr val="accent1">
+                  <a:lumMod val="20000"/>
+                  <a:lumOff val="80000"/>
+                </a:schemeClr>
+              </a:solidFill>
+            </a:ln>
+          </p:spPr>
+          <p:style>
+            <a:lnRef idx="2">
+              <a:schemeClr val="accent1">
+                <a:shade val="15000"/>
+              </a:schemeClr>
+            </a:lnRef>
+            <a:fillRef idx="1">
+              <a:schemeClr val="accent1"/>
+            </a:fillRef>
+            <a:effectRef idx="0">
+              <a:schemeClr val="accent1"/>
+            </a:effectRef>
+            <a:fontRef idx="minor">
+              <a:schemeClr val="lt1"/>
+            </a:fontRef>
+          </p:style>
+          <p:txBody>
+            <a:bodyPr rtlCol="0" anchor="ctr"/>
+            <a:lstStyle/>
+            <a:p>
+              <a:pPr algn="ctr"/>
+              <a:r>
+                <a:rPr lang="en-AU" sz="900" dirty="0">
+                  <a:solidFill>
+                    <a:schemeClr val="tx1"/>
+                  </a:solidFill>
+                </a:rPr>
+                <a:t>Register</a:t>
+              </a:r>
+            </a:p>
+          </p:txBody>
+        </p:sp>
+        <p:sp>
+          <p:nvSpPr>
+            <p:cNvPr id="35" name="Rectangle 34">
+              <a:extLst>
+                <a:ext uri="{FF2B5EF4-FFF2-40B4-BE49-F238E27FC236}">
+                  <a16:creationId xmlns:a16="http://schemas.microsoft.com/office/drawing/2014/main" id="{5F4BBDFE-4C42-D274-ED1E-808882777E92}"/>
+                </a:ext>
+              </a:extLst>
+            </p:cNvPr>
+            <p:cNvSpPr/>
+            <p:nvPr/>
+          </p:nvSpPr>
+          <p:spPr>
+            <a:xfrm>
+              <a:off x="2443157" y="2266949"/>
+              <a:ext cx="1525770" cy="576000"/>
+            </a:xfrm>
+            <a:prstGeom prst="rect">
+              <a:avLst/>
+            </a:prstGeom>
             <a:solidFill>
               <a:schemeClr val="accent1">
                 <a:lumMod val="20000"/>
                 <a:lumOff val="80000"/>
               </a:schemeClr>
             </a:solidFill>
-          </a:ln>
-        </p:spPr>
-        <p:style>
-          <a:lnRef idx="2">
-            <a:schemeClr val="accent1">
-              <a:shade val="15000"/>
-            </a:schemeClr>
-          </a:lnRef>
-          <a:fillRef idx="1">
-            <a:schemeClr val="accent1"/>
-          </a:fillRef>
-          <a:effectRef idx="0">
-            <a:schemeClr val="accent1"/>
-          </a:effectRef>
-          <a:fontRef idx="minor">
-            <a:schemeClr val="lt1"/>
-          </a:fontRef>
-        </p:style>
-        <p:txBody>
-          <a:bodyPr rtlCol="0" anchor="ctr"/>
-          <a:lstStyle/>
-          <a:p>
-            <a:pPr algn="ctr"/>
-            <a:r>
-              <a:rPr lang="en-AU" sz="900" dirty="0">
-                <a:solidFill>
-                  <a:schemeClr val="tx1"/>
-                </a:solidFill>
-              </a:rPr>
-              <a:t>Online forum</a:t>
-            </a:r>
-          </a:p>
-        </p:txBody>
-      </p:sp>
-      <p:sp>
-        <p:nvSpPr>
-          <p:cNvPr id="36" name="Rectangle 35">
-            <a:extLst>
-              <a:ext uri="{FF2B5EF4-FFF2-40B4-BE49-F238E27FC236}">
-                <a16:creationId xmlns:a16="http://schemas.microsoft.com/office/drawing/2014/main" id="{38931964-6FE1-79DE-D16A-94AB1E993366}"/>
-              </a:ext>
-            </a:extLst>
-          </p:cNvPr>
-          <p:cNvSpPr/>
-          <p:nvPr/>
-        </p:nvSpPr>
-        <p:spPr>
-          <a:xfrm>
-            <a:off x="2443157" y="3038474"/>
-            <a:ext cx="1525770" cy="576000"/>
-          </a:xfrm>
-          <a:prstGeom prst="rect">
-            <a:avLst/>
-          </a:prstGeom>
-          <a:solidFill>
-            <a:schemeClr val="accent1">
-              <a:lumMod val="20000"/>
-              <a:lumOff val="80000"/>
-            </a:schemeClr>
-          </a:solidFill>
-          <a:ln>
+            <a:ln>
+              <a:solidFill>
+                <a:schemeClr val="accent1">
+                  <a:lumMod val="20000"/>
+                  <a:lumOff val="80000"/>
+                </a:schemeClr>
+              </a:solidFill>
+            </a:ln>
+          </p:spPr>
+          <p:style>
+            <a:lnRef idx="2">
+              <a:schemeClr val="accent1">
+                <a:shade val="15000"/>
+              </a:schemeClr>
+            </a:lnRef>
+            <a:fillRef idx="1">
+              <a:schemeClr val="accent1"/>
+            </a:fillRef>
+            <a:effectRef idx="0">
+              <a:schemeClr val="accent1"/>
+            </a:effectRef>
+            <a:fontRef idx="minor">
+              <a:schemeClr val="lt1"/>
+            </a:fontRef>
+          </p:style>
+          <p:txBody>
+            <a:bodyPr rtlCol="0" anchor="ctr"/>
+            <a:lstStyle/>
+            <a:p>
+              <a:pPr algn="ctr"/>
+              <a:r>
+                <a:rPr lang="en-AU" sz="900" dirty="0">
+                  <a:solidFill>
+                    <a:schemeClr val="tx1"/>
+                  </a:solidFill>
+                </a:rPr>
+                <a:t>Online forum</a:t>
+              </a:r>
+            </a:p>
+          </p:txBody>
+        </p:sp>
+        <p:sp>
+          <p:nvSpPr>
+            <p:cNvPr id="36" name="Rectangle 35">
+              <a:extLst>
+                <a:ext uri="{FF2B5EF4-FFF2-40B4-BE49-F238E27FC236}">
+                  <a16:creationId xmlns:a16="http://schemas.microsoft.com/office/drawing/2014/main" id="{38931964-6FE1-79DE-D16A-94AB1E993366}"/>
+                </a:ext>
+              </a:extLst>
+            </p:cNvPr>
+            <p:cNvSpPr/>
+            <p:nvPr/>
+          </p:nvSpPr>
+          <p:spPr>
+            <a:xfrm>
+              <a:off x="2443157" y="3038474"/>
+              <a:ext cx="1525770" cy="576000"/>
+            </a:xfrm>
+            <a:prstGeom prst="rect">
+              <a:avLst/>
+            </a:prstGeom>
             <a:solidFill>
               <a:schemeClr val="accent1">
                 <a:lumMod val="20000"/>
                 <a:lumOff val="80000"/>
               </a:schemeClr>
             </a:solidFill>
-          </a:ln>
-        </p:spPr>
-        <p:style>
-          <a:lnRef idx="2">
-            <a:schemeClr val="accent1">
-              <a:shade val="15000"/>
-            </a:schemeClr>
-          </a:lnRef>
-          <a:fillRef idx="1">
-            <a:schemeClr val="accent1"/>
-          </a:fillRef>
-          <a:effectRef idx="0">
-            <a:schemeClr val="accent1"/>
-          </a:effectRef>
-          <a:fontRef idx="minor">
-            <a:schemeClr val="lt1"/>
-          </a:fontRef>
-        </p:style>
-        <p:txBody>
-          <a:bodyPr rtlCol="0" anchor="ctr"/>
-          <a:lstStyle/>
-          <a:p>
-            <a:pPr algn="ctr"/>
-            <a:r>
-              <a:rPr lang="en-AU" sz="900" dirty="0">
-                <a:solidFill>
-                  <a:schemeClr val="tx1"/>
-                </a:solidFill>
-              </a:rPr>
-              <a:t>Local events &amp; integration programs</a:t>
-            </a:r>
-          </a:p>
-        </p:txBody>
-      </p:sp>
-      <p:sp>
-        <p:nvSpPr>
-          <p:cNvPr id="41" name="Rectangle 40">
-            <a:extLst>
-              <a:ext uri="{FF2B5EF4-FFF2-40B4-BE49-F238E27FC236}">
-                <a16:creationId xmlns:a16="http://schemas.microsoft.com/office/drawing/2014/main" id="{B51B80F0-2262-BDEB-9D10-7483DFD851A5}"/>
-              </a:ext>
-            </a:extLst>
-          </p:cNvPr>
-          <p:cNvSpPr/>
-          <p:nvPr/>
-        </p:nvSpPr>
-        <p:spPr>
-          <a:xfrm>
-            <a:off x="4450904" y="2266949"/>
-            <a:ext cx="1525770" cy="576000"/>
-          </a:xfrm>
-          <a:prstGeom prst="rect">
-            <a:avLst/>
-          </a:prstGeom>
-          <a:solidFill>
-            <a:schemeClr val="accent1">
-              <a:lumMod val="20000"/>
-              <a:lumOff val="80000"/>
-            </a:schemeClr>
-          </a:solidFill>
-          <a:ln>
+            <a:ln>
+              <a:solidFill>
+                <a:schemeClr val="accent1">
+                  <a:lumMod val="20000"/>
+                  <a:lumOff val="80000"/>
+                </a:schemeClr>
+              </a:solidFill>
+            </a:ln>
+          </p:spPr>
+          <p:style>
+            <a:lnRef idx="2">
+              <a:schemeClr val="accent1">
+                <a:shade val="15000"/>
+              </a:schemeClr>
+            </a:lnRef>
+            <a:fillRef idx="1">
+              <a:schemeClr val="accent1"/>
+            </a:fillRef>
+            <a:effectRef idx="0">
+              <a:schemeClr val="accent1"/>
+            </a:effectRef>
+            <a:fontRef idx="minor">
+              <a:schemeClr val="lt1"/>
+            </a:fontRef>
+          </p:style>
+          <p:txBody>
+            <a:bodyPr rtlCol="0" anchor="ctr"/>
+            <a:lstStyle/>
+            <a:p>
+              <a:pPr algn="ctr"/>
+              <a:r>
+                <a:rPr lang="en-AU" sz="900" dirty="0">
+                  <a:solidFill>
+                    <a:schemeClr val="tx1"/>
+                  </a:solidFill>
+                </a:rPr>
+                <a:t>Local events &amp; integration programs</a:t>
+              </a:r>
+            </a:p>
+          </p:txBody>
+        </p:sp>
+        <p:sp>
+          <p:nvSpPr>
+            <p:cNvPr id="41" name="Rectangle 40">
+              <a:extLst>
+                <a:ext uri="{FF2B5EF4-FFF2-40B4-BE49-F238E27FC236}">
+                  <a16:creationId xmlns:a16="http://schemas.microsoft.com/office/drawing/2014/main" id="{B51B80F0-2262-BDEB-9D10-7483DFD851A5}"/>
+                </a:ext>
+              </a:extLst>
+            </p:cNvPr>
+            <p:cNvSpPr/>
+            <p:nvPr/>
+          </p:nvSpPr>
+          <p:spPr>
+            <a:xfrm>
+              <a:off x="4450904" y="2266949"/>
+              <a:ext cx="1525770" cy="576000"/>
+            </a:xfrm>
+            <a:prstGeom prst="rect">
+              <a:avLst/>
+            </a:prstGeom>
             <a:solidFill>
               <a:schemeClr val="accent1">
                 <a:lumMod val="20000"/>
                 <a:lumOff val="80000"/>
               </a:schemeClr>
             </a:solidFill>
-          </a:ln>
-        </p:spPr>
-        <p:style>
-          <a:lnRef idx="2">
-            <a:schemeClr val="accent1">
-              <a:shade val="15000"/>
-            </a:schemeClr>
-          </a:lnRef>
-          <a:fillRef idx="1">
-            <a:schemeClr val="accent1"/>
-          </a:fillRef>
-          <a:effectRef idx="0">
-            <a:schemeClr val="accent1"/>
-          </a:effectRef>
-          <a:fontRef idx="minor">
-            <a:schemeClr val="lt1"/>
-          </a:fontRef>
-        </p:style>
-        <p:txBody>
-          <a:bodyPr rtlCol="0" anchor="ctr"/>
-          <a:lstStyle/>
-          <a:p>
-            <a:pPr algn="ctr"/>
-            <a:r>
-              <a:rPr lang="en-AU" sz="900" dirty="0">
-                <a:solidFill>
-                  <a:schemeClr val="tx1"/>
-                </a:solidFill>
-              </a:rPr>
-              <a:t>Blog &amp; news updates</a:t>
-            </a:r>
-          </a:p>
-        </p:txBody>
-      </p:sp>
-      <p:sp>
-        <p:nvSpPr>
-          <p:cNvPr id="42" name="Rectangle 41">
-            <a:extLst>
-              <a:ext uri="{FF2B5EF4-FFF2-40B4-BE49-F238E27FC236}">
-                <a16:creationId xmlns:a16="http://schemas.microsoft.com/office/drawing/2014/main" id="{8D01A672-3863-E9FE-FA19-E1394E996BDB}"/>
-              </a:ext>
-            </a:extLst>
-          </p:cNvPr>
-          <p:cNvSpPr/>
-          <p:nvPr/>
-        </p:nvSpPr>
-        <p:spPr>
-          <a:xfrm>
-            <a:off x="4450904" y="3038474"/>
-            <a:ext cx="1525770" cy="576000"/>
-          </a:xfrm>
-          <a:prstGeom prst="rect">
-            <a:avLst/>
-          </a:prstGeom>
-          <a:solidFill>
-            <a:schemeClr val="accent1">
-              <a:lumMod val="20000"/>
-              <a:lumOff val="80000"/>
-            </a:schemeClr>
-          </a:solidFill>
-          <a:ln>
+            <a:ln>
+              <a:solidFill>
+                <a:schemeClr val="accent1">
+                  <a:lumMod val="20000"/>
+                  <a:lumOff val="80000"/>
+                </a:schemeClr>
+              </a:solidFill>
+            </a:ln>
+          </p:spPr>
+          <p:style>
+            <a:lnRef idx="2">
+              <a:schemeClr val="accent1">
+                <a:shade val="15000"/>
+              </a:schemeClr>
+            </a:lnRef>
+            <a:fillRef idx="1">
+              <a:schemeClr val="accent1"/>
+            </a:fillRef>
+            <a:effectRef idx="0">
+              <a:schemeClr val="accent1"/>
+            </a:effectRef>
+            <a:fontRef idx="minor">
+              <a:schemeClr val="lt1"/>
+            </a:fontRef>
+          </p:style>
+          <p:txBody>
+            <a:bodyPr rtlCol="0" anchor="ctr"/>
+            <a:lstStyle/>
+            <a:p>
+              <a:pPr algn="ctr"/>
+              <a:r>
+                <a:rPr lang="en-AU" sz="900" dirty="0">
+                  <a:solidFill>
+                    <a:schemeClr val="tx1"/>
+                  </a:solidFill>
+                </a:rPr>
+                <a:t>Blog &amp; news updates</a:t>
+              </a:r>
+            </a:p>
+          </p:txBody>
+        </p:sp>
+        <p:sp>
+          <p:nvSpPr>
+            <p:cNvPr id="42" name="Rectangle 41">
+              <a:extLst>
+                <a:ext uri="{FF2B5EF4-FFF2-40B4-BE49-F238E27FC236}">
+                  <a16:creationId xmlns:a16="http://schemas.microsoft.com/office/drawing/2014/main" id="{8D01A672-3863-E9FE-FA19-E1394E996BDB}"/>
+                </a:ext>
+              </a:extLst>
+            </p:cNvPr>
+            <p:cNvSpPr/>
+            <p:nvPr/>
+          </p:nvSpPr>
+          <p:spPr>
+            <a:xfrm>
+              <a:off x="4450904" y="3038474"/>
+              <a:ext cx="1525770" cy="576000"/>
+            </a:xfrm>
+            <a:prstGeom prst="rect">
+              <a:avLst/>
+            </a:prstGeom>
             <a:solidFill>
               <a:schemeClr val="accent1">
                 <a:lumMod val="20000"/>
                 <a:lumOff val="80000"/>
               </a:schemeClr>
             </a:solidFill>
-          </a:ln>
-        </p:spPr>
-        <p:style>
-          <a:lnRef idx="2">
-            <a:schemeClr val="accent1">
-              <a:shade val="15000"/>
-            </a:schemeClr>
-          </a:lnRef>
-          <a:fillRef idx="1">
-            <a:schemeClr val="accent1"/>
-          </a:fillRef>
-          <a:effectRef idx="0">
-            <a:schemeClr val="accent1"/>
-          </a:effectRef>
-          <a:fontRef idx="minor">
-            <a:schemeClr val="lt1"/>
-          </a:fontRef>
-        </p:style>
-        <p:txBody>
-          <a:bodyPr rtlCol="0" anchor="ctr"/>
-          <a:lstStyle/>
-          <a:p>
-            <a:pPr algn="ctr"/>
-            <a:r>
-              <a:rPr lang="en-AU" sz="900" dirty="0">
-                <a:solidFill>
-                  <a:schemeClr val="tx1"/>
-                </a:solidFill>
-              </a:rPr>
-              <a:t>Legal &amp; immigration guides</a:t>
-            </a:r>
-          </a:p>
-        </p:txBody>
-      </p:sp>
-      <p:sp>
-        <p:nvSpPr>
-          <p:cNvPr id="43" name="Rectangle 42">
-            <a:extLst>
-              <a:ext uri="{FF2B5EF4-FFF2-40B4-BE49-F238E27FC236}">
-                <a16:creationId xmlns:a16="http://schemas.microsoft.com/office/drawing/2014/main" id="{FACB7266-CE7F-8D71-73EB-D618FDB63E17}"/>
-              </a:ext>
-            </a:extLst>
-          </p:cNvPr>
-          <p:cNvSpPr/>
-          <p:nvPr/>
-        </p:nvSpPr>
-        <p:spPr>
-          <a:xfrm>
-            <a:off x="4450904" y="3809999"/>
-            <a:ext cx="1525770" cy="576000"/>
-          </a:xfrm>
-          <a:prstGeom prst="rect">
-            <a:avLst/>
-          </a:prstGeom>
-          <a:solidFill>
-            <a:schemeClr val="accent1">
-              <a:lumMod val="20000"/>
-              <a:lumOff val="80000"/>
-            </a:schemeClr>
-          </a:solidFill>
-          <a:ln>
+            <a:ln>
+              <a:solidFill>
+                <a:schemeClr val="accent1">
+                  <a:lumMod val="20000"/>
+                  <a:lumOff val="80000"/>
+                </a:schemeClr>
+              </a:solidFill>
+            </a:ln>
+          </p:spPr>
+          <p:style>
+            <a:lnRef idx="2">
+              <a:schemeClr val="accent1">
+                <a:shade val="15000"/>
+              </a:schemeClr>
+            </a:lnRef>
+            <a:fillRef idx="1">
+              <a:schemeClr val="accent1"/>
+            </a:fillRef>
+            <a:effectRef idx="0">
+              <a:schemeClr val="accent1"/>
+            </a:effectRef>
+            <a:fontRef idx="minor">
+              <a:schemeClr val="lt1"/>
+            </a:fontRef>
+          </p:style>
+          <p:txBody>
+            <a:bodyPr rtlCol="0" anchor="ctr"/>
+            <a:lstStyle/>
+            <a:p>
+              <a:pPr algn="ctr"/>
+              <a:r>
+                <a:rPr lang="en-AU" sz="900" dirty="0">
+                  <a:solidFill>
+                    <a:schemeClr val="tx1"/>
+                  </a:solidFill>
+                </a:rPr>
+                <a:t>Legal &amp; immigration guides</a:t>
+              </a:r>
+            </a:p>
+          </p:txBody>
+        </p:sp>
+        <p:sp>
+          <p:nvSpPr>
+            <p:cNvPr id="43" name="Rectangle 42">
+              <a:extLst>
+                <a:ext uri="{FF2B5EF4-FFF2-40B4-BE49-F238E27FC236}">
+                  <a16:creationId xmlns:a16="http://schemas.microsoft.com/office/drawing/2014/main" id="{FACB7266-CE7F-8D71-73EB-D618FDB63E17}"/>
+                </a:ext>
+              </a:extLst>
+            </p:cNvPr>
+            <p:cNvSpPr/>
+            <p:nvPr/>
+          </p:nvSpPr>
+          <p:spPr>
+            <a:xfrm>
+              <a:off x="4450904" y="3809999"/>
+              <a:ext cx="1525770" cy="576000"/>
+            </a:xfrm>
+            <a:prstGeom prst="rect">
+              <a:avLst/>
+            </a:prstGeom>
             <a:solidFill>
               <a:schemeClr val="accent1">
                 <a:lumMod val="20000"/>
                 <a:lumOff val="80000"/>
               </a:schemeClr>
             </a:solidFill>
-          </a:ln>
-        </p:spPr>
-        <p:style>
-          <a:lnRef idx="2">
-            <a:schemeClr val="accent1">
-              <a:shade val="15000"/>
-            </a:schemeClr>
-          </a:lnRef>
-          <a:fillRef idx="1">
-            <a:schemeClr val="accent1"/>
-          </a:fillRef>
-          <a:effectRef idx="0">
-            <a:schemeClr val="accent1"/>
-          </a:effectRef>
-          <a:fontRef idx="minor">
-            <a:schemeClr val="lt1"/>
-          </a:fontRef>
-        </p:style>
-        <p:txBody>
-          <a:bodyPr rtlCol="0" anchor="ctr"/>
-          <a:lstStyle/>
-          <a:p>
-            <a:pPr algn="ctr"/>
-            <a:r>
-              <a:rPr lang="en-AU" sz="900" dirty="0">
-                <a:solidFill>
-                  <a:schemeClr val="tx1"/>
-                </a:solidFill>
-              </a:rPr>
-              <a:t>Mental health &amp; well-being articles</a:t>
-            </a:r>
-          </a:p>
-        </p:txBody>
-      </p:sp>
-      <p:sp>
-        <p:nvSpPr>
-          <p:cNvPr id="44" name="Rectangle 43">
-            <a:extLst>
-              <a:ext uri="{FF2B5EF4-FFF2-40B4-BE49-F238E27FC236}">
-                <a16:creationId xmlns:a16="http://schemas.microsoft.com/office/drawing/2014/main" id="{5A2DF93B-D960-E1F1-D047-40CEFB7A2521}"/>
-              </a:ext>
-            </a:extLst>
-          </p:cNvPr>
-          <p:cNvSpPr/>
-          <p:nvPr/>
-        </p:nvSpPr>
-        <p:spPr>
-          <a:xfrm>
-            <a:off x="4450904" y="4581524"/>
-            <a:ext cx="1525770" cy="576000"/>
-          </a:xfrm>
-          <a:prstGeom prst="rect">
-            <a:avLst/>
-          </a:prstGeom>
-          <a:solidFill>
-            <a:schemeClr val="accent1">
-              <a:lumMod val="20000"/>
-              <a:lumOff val="80000"/>
-            </a:schemeClr>
-          </a:solidFill>
-          <a:ln>
+            <a:ln>
+              <a:solidFill>
+                <a:schemeClr val="accent1">
+                  <a:lumMod val="20000"/>
+                  <a:lumOff val="80000"/>
+                </a:schemeClr>
+              </a:solidFill>
+            </a:ln>
+          </p:spPr>
+          <p:style>
+            <a:lnRef idx="2">
+              <a:schemeClr val="accent1">
+                <a:shade val="15000"/>
+              </a:schemeClr>
+            </a:lnRef>
+            <a:fillRef idx="1">
+              <a:schemeClr val="accent1"/>
+            </a:fillRef>
+            <a:effectRef idx="0">
+              <a:schemeClr val="accent1"/>
+            </a:effectRef>
+            <a:fontRef idx="minor">
+              <a:schemeClr val="lt1"/>
+            </a:fontRef>
+          </p:style>
+          <p:txBody>
+            <a:bodyPr rtlCol="0" anchor="ctr"/>
+            <a:lstStyle/>
+            <a:p>
+              <a:pPr algn="ctr"/>
+              <a:r>
+                <a:rPr lang="en-AU" sz="900" dirty="0">
+                  <a:solidFill>
+                    <a:schemeClr val="tx1"/>
+                  </a:solidFill>
+                </a:rPr>
+                <a:t>Mental health &amp; well-being articles</a:t>
+              </a:r>
+            </a:p>
+          </p:txBody>
+        </p:sp>
+        <p:sp>
+          <p:nvSpPr>
+            <p:cNvPr id="44" name="Rectangle 43">
+              <a:extLst>
+                <a:ext uri="{FF2B5EF4-FFF2-40B4-BE49-F238E27FC236}">
+                  <a16:creationId xmlns:a16="http://schemas.microsoft.com/office/drawing/2014/main" id="{5A2DF93B-D960-E1F1-D047-40CEFB7A2521}"/>
+                </a:ext>
+              </a:extLst>
+            </p:cNvPr>
+            <p:cNvSpPr/>
+            <p:nvPr/>
+          </p:nvSpPr>
+          <p:spPr>
+            <a:xfrm>
+              <a:off x="4450904" y="4581524"/>
+              <a:ext cx="1525770" cy="576000"/>
+            </a:xfrm>
+            <a:prstGeom prst="rect">
+              <a:avLst/>
+            </a:prstGeom>
             <a:solidFill>
               <a:schemeClr val="accent1">
                 <a:lumMod val="20000"/>
                 <a:lumOff val="80000"/>
               </a:schemeClr>
             </a:solidFill>
-          </a:ln>
-        </p:spPr>
-        <p:style>
-          <a:lnRef idx="2">
-            <a:schemeClr val="accent1">
-              <a:shade val="15000"/>
-            </a:schemeClr>
-          </a:lnRef>
-          <a:fillRef idx="1">
-            <a:schemeClr val="accent1"/>
-          </a:fillRef>
-          <a:effectRef idx="0">
-            <a:schemeClr val="accent1"/>
-          </a:effectRef>
-          <a:fontRef idx="minor">
-            <a:schemeClr val="lt1"/>
-          </a:fontRef>
-        </p:style>
-        <p:txBody>
-          <a:bodyPr rtlCol="0" anchor="ctr"/>
-          <a:lstStyle/>
-          <a:p>
-            <a:pPr algn="ctr"/>
-            <a:r>
-              <a:rPr lang="en-AU" sz="900" dirty="0">
-                <a:solidFill>
-                  <a:schemeClr val="tx1"/>
-                </a:solidFill>
-              </a:rPr>
-              <a:t>Business &amp; career development tips</a:t>
-            </a:r>
-          </a:p>
-        </p:txBody>
-      </p:sp>
-      <p:sp>
-        <p:nvSpPr>
-          <p:cNvPr id="45" name="Rectangle 44">
-            <a:extLst>
-              <a:ext uri="{FF2B5EF4-FFF2-40B4-BE49-F238E27FC236}">
-                <a16:creationId xmlns:a16="http://schemas.microsoft.com/office/drawing/2014/main" id="{B01D73A0-8713-106A-574F-2E0B5928C125}"/>
-              </a:ext>
-            </a:extLst>
-          </p:cNvPr>
-          <p:cNvSpPr/>
-          <p:nvPr/>
-        </p:nvSpPr>
-        <p:spPr>
-          <a:xfrm>
-            <a:off x="4450904" y="5353049"/>
-            <a:ext cx="1525770" cy="576000"/>
-          </a:xfrm>
-          <a:prstGeom prst="rect">
-            <a:avLst/>
-          </a:prstGeom>
-          <a:solidFill>
-            <a:schemeClr val="accent1">
-              <a:lumMod val="20000"/>
-              <a:lumOff val="80000"/>
-            </a:schemeClr>
-          </a:solidFill>
-          <a:ln>
+            <a:ln>
+              <a:solidFill>
+                <a:schemeClr val="accent1">
+                  <a:lumMod val="20000"/>
+                  <a:lumOff val="80000"/>
+                </a:schemeClr>
+              </a:solidFill>
+            </a:ln>
+          </p:spPr>
+          <p:style>
+            <a:lnRef idx="2">
+              <a:schemeClr val="accent1">
+                <a:shade val="15000"/>
+              </a:schemeClr>
+            </a:lnRef>
+            <a:fillRef idx="1">
+              <a:schemeClr val="accent1"/>
+            </a:fillRef>
+            <a:effectRef idx="0">
+              <a:schemeClr val="accent1"/>
+            </a:effectRef>
+            <a:fontRef idx="minor">
+              <a:schemeClr val="lt1"/>
+            </a:fontRef>
+          </p:style>
+          <p:txBody>
+            <a:bodyPr rtlCol="0" anchor="ctr"/>
+            <a:lstStyle/>
+            <a:p>
+              <a:pPr algn="ctr"/>
+              <a:r>
+                <a:rPr lang="en-AU" sz="900" dirty="0">
+                  <a:solidFill>
+                    <a:schemeClr val="tx1"/>
+                  </a:solidFill>
+                </a:rPr>
+                <a:t>Business &amp; career development tips</a:t>
+              </a:r>
+            </a:p>
+          </p:txBody>
+        </p:sp>
+        <p:sp>
+          <p:nvSpPr>
+            <p:cNvPr id="45" name="Rectangle 44">
+              <a:extLst>
+                <a:ext uri="{FF2B5EF4-FFF2-40B4-BE49-F238E27FC236}">
+                  <a16:creationId xmlns:a16="http://schemas.microsoft.com/office/drawing/2014/main" id="{B01D73A0-8713-106A-574F-2E0B5928C125}"/>
+                </a:ext>
+              </a:extLst>
+            </p:cNvPr>
+            <p:cNvSpPr/>
+            <p:nvPr/>
+          </p:nvSpPr>
+          <p:spPr>
+            <a:xfrm>
+              <a:off x="4450904" y="5353049"/>
+              <a:ext cx="1525770" cy="576000"/>
+            </a:xfrm>
+            <a:prstGeom prst="rect">
+              <a:avLst/>
+            </a:prstGeom>
             <a:solidFill>
               <a:schemeClr val="accent1">
                 <a:lumMod val="20000"/>
                 <a:lumOff val="80000"/>
               </a:schemeClr>
             </a:solidFill>
-          </a:ln>
-        </p:spPr>
-        <p:style>
-          <a:lnRef idx="2">
-            <a:schemeClr val="accent1">
-              <a:shade val="15000"/>
-            </a:schemeClr>
-          </a:lnRef>
-          <a:fillRef idx="1">
-            <a:schemeClr val="accent1"/>
-          </a:fillRef>
-          <a:effectRef idx="0">
-            <a:schemeClr val="accent1"/>
-          </a:effectRef>
-          <a:fontRef idx="minor">
-            <a:schemeClr val="lt1"/>
-          </a:fontRef>
-        </p:style>
-        <p:txBody>
-          <a:bodyPr rtlCol="0" anchor="ctr"/>
-          <a:lstStyle/>
-          <a:p>
-            <a:pPr algn="ctr"/>
-            <a:r>
-              <a:rPr lang="en-AU" sz="900" dirty="0">
-                <a:solidFill>
-                  <a:schemeClr val="tx1"/>
-                </a:solidFill>
-              </a:rPr>
-              <a:t>Education scholarships &amp; financial aid</a:t>
-            </a:r>
-          </a:p>
-        </p:txBody>
-      </p:sp>
-      <p:sp>
-        <p:nvSpPr>
-          <p:cNvPr id="48" name="Rectangle 47">
-            <a:extLst>
-              <a:ext uri="{FF2B5EF4-FFF2-40B4-BE49-F238E27FC236}">
-                <a16:creationId xmlns:a16="http://schemas.microsoft.com/office/drawing/2014/main" id="{107B48CB-63F5-F25C-5311-02D4AED96C07}"/>
-              </a:ext>
-            </a:extLst>
-          </p:cNvPr>
-          <p:cNvSpPr/>
-          <p:nvPr/>
-        </p:nvSpPr>
-        <p:spPr>
-          <a:xfrm>
-            <a:off x="6458650" y="2266949"/>
-            <a:ext cx="1525770" cy="576000"/>
-          </a:xfrm>
-          <a:prstGeom prst="rect">
-            <a:avLst/>
-          </a:prstGeom>
-          <a:solidFill>
-            <a:schemeClr val="accent1">
-              <a:lumMod val="20000"/>
-              <a:lumOff val="80000"/>
-            </a:schemeClr>
-          </a:solidFill>
-          <a:ln>
+            <a:ln>
+              <a:solidFill>
+                <a:schemeClr val="accent1">
+                  <a:lumMod val="20000"/>
+                  <a:lumOff val="80000"/>
+                </a:schemeClr>
+              </a:solidFill>
+            </a:ln>
+          </p:spPr>
+          <p:style>
+            <a:lnRef idx="2">
+              <a:schemeClr val="accent1">
+                <a:shade val="15000"/>
+              </a:schemeClr>
+            </a:lnRef>
+            <a:fillRef idx="1">
+              <a:schemeClr val="accent1"/>
+            </a:fillRef>
+            <a:effectRef idx="0">
+              <a:schemeClr val="accent1"/>
+            </a:effectRef>
+            <a:fontRef idx="minor">
+              <a:schemeClr val="lt1"/>
+            </a:fontRef>
+          </p:style>
+          <p:txBody>
+            <a:bodyPr rtlCol="0" anchor="ctr"/>
+            <a:lstStyle/>
+            <a:p>
+              <a:pPr algn="ctr"/>
+              <a:r>
+                <a:rPr lang="en-AU" sz="900" dirty="0">
+                  <a:solidFill>
+                    <a:schemeClr val="tx1"/>
+                  </a:solidFill>
+                </a:rPr>
+                <a:t>Education scholarships &amp; financial aid</a:t>
+              </a:r>
+            </a:p>
+          </p:txBody>
+        </p:sp>
+        <p:sp>
+          <p:nvSpPr>
+            <p:cNvPr id="48" name="Rectangle 47">
+              <a:extLst>
+                <a:ext uri="{FF2B5EF4-FFF2-40B4-BE49-F238E27FC236}">
+                  <a16:creationId xmlns:a16="http://schemas.microsoft.com/office/drawing/2014/main" id="{107B48CB-63F5-F25C-5311-02D4AED96C07}"/>
+                </a:ext>
+              </a:extLst>
+            </p:cNvPr>
+            <p:cNvSpPr/>
+            <p:nvPr/>
+          </p:nvSpPr>
+          <p:spPr>
+            <a:xfrm>
+              <a:off x="6458650" y="2266949"/>
+              <a:ext cx="1525770" cy="576000"/>
+            </a:xfrm>
+            <a:prstGeom prst="rect">
+              <a:avLst/>
+            </a:prstGeom>
             <a:solidFill>
               <a:schemeClr val="accent1">
                 <a:lumMod val="20000"/>
                 <a:lumOff val="80000"/>
               </a:schemeClr>
             </a:solidFill>
-          </a:ln>
-        </p:spPr>
-        <p:style>
-          <a:lnRef idx="2">
-            <a:schemeClr val="accent1">
-              <a:shade val="15000"/>
-            </a:schemeClr>
-          </a:lnRef>
-          <a:fillRef idx="1">
-            <a:schemeClr val="accent1"/>
-          </a:fillRef>
-          <a:effectRef idx="0">
-            <a:schemeClr val="accent1"/>
-          </a:effectRef>
-          <a:fontRef idx="minor">
-            <a:schemeClr val="lt1"/>
-          </a:fontRef>
-        </p:style>
-        <p:txBody>
-          <a:bodyPr rtlCol="0" anchor="ctr"/>
-          <a:lstStyle/>
-          <a:p>
-            <a:pPr algn="ctr"/>
-            <a:r>
-              <a:rPr lang="en-AU" sz="900" dirty="0">
-                <a:solidFill>
-                  <a:schemeClr val="tx1"/>
-                </a:solidFill>
-              </a:rPr>
-              <a:t>Employment &amp; careers search tool</a:t>
-            </a:r>
-          </a:p>
-        </p:txBody>
-      </p:sp>
-      <p:sp>
-        <p:nvSpPr>
-          <p:cNvPr id="49" name="Rectangle 48">
-            <a:extLst>
-              <a:ext uri="{FF2B5EF4-FFF2-40B4-BE49-F238E27FC236}">
-                <a16:creationId xmlns:a16="http://schemas.microsoft.com/office/drawing/2014/main" id="{430C97D0-E36D-2849-D5E6-146A476F5608}"/>
-              </a:ext>
-            </a:extLst>
-          </p:cNvPr>
-          <p:cNvSpPr/>
-          <p:nvPr/>
-        </p:nvSpPr>
-        <p:spPr>
-          <a:xfrm>
-            <a:off x="6458650" y="3038474"/>
-            <a:ext cx="1525770" cy="576000"/>
-          </a:xfrm>
-          <a:prstGeom prst="rect">
-            <a:avLst/>
-          </a:prstGeom>
-          <a:solidFill>
-            <a:schemeClr val="accent1">
-              <a:lumMod val="20000"/>
-              <a:lumOff val="80000"/>
-            </a:schemeClr>
-          </a:solidFill>
-          <a:ln>
+            <a:ln>
+              <a:solidFill>
+                <a:schemeClr val="accent1">
+                  <a:lumMod val="20000"/>
+                  <a:lumOff val="80000"/>
+                </a:schemeClr>
+              </a:solidFill>
+            </a:ln>
+          </p:spPr>
+          <p:style>
+            <a:lnRef idx="2">
+              <a:schemeClr val="accent1">
+                <a:shade val="15000"/>
+              </a:schemeClr>
+            </a:lnRef>
+            <a:fillRef idx="1">
+              <a:schemeClr val="accent1"/>
+            </a:fillRef>
+            <a:effectRef idx="0">
+              <a:schemeClr val="accent1"/>
+            </a:effectRef>
+            <a:fontRef idx="minor">
+              <a:schemeClr val="lt1"/>
+            </a:fontRef>
+          </p:style>
+          <p:txBody>
+            <a:bodyPr rtlCol="0" anchor="ctr"/>
+            <a:lstStyle/>
+            <a:p>
+              <a:pPr algn="ctr"/>
+              <a:r>
+                <a:rPr lang="en-AU" sz="900" dirty="0">
+                  <a:solidFill>
+                    <a:schemeClr val="tx1"/>
+                  </a:solidFill>
+                </a:rPr>
+                <a:t>Employment &amp; careers search tool</a:t>
+              </a:r>
+            </a:p>
+          </p:txBody>
+        </p:sp>
+        <p:sp>
+          <p:nvSpPr>
+            <p:cNvPr id="49" name="Rectangle 48">
+              <a:extLst>
+                <a:ext uri="{FF2B5EF4-FFF2-40B4-BE49-F238E27FC236}">
+                  <a16:creationId xmlns:a16="http://schemas.microsoft.com/office/drawing/2014/main" id="{430C97D0-E36D-2849-D5E6-146A476F5608}"/>
+                </a:ext>
+              </a:extLst>
+            </p:cNvPr>
+            <p:cNvSpPr/>
+            <p:nvPr/>
+          </p:nvSpPr>
+          <p:spPr>
+            <a:xfrm>
+              <a:off x="6458650" y="3038474"/>
+              <a:ext cx="1525770" cy="576000"/>
+            </a:xfrm>
+            <a:prstGeom prst="rect">
+              <a:avLst/>
+            </a:prstGeom>
             <a:solidFill>
               <a:schemeClr val="accent1">
                 <a:lumMod val="20000"/>
                 <a:lumOff val="80000"/>
               </a:schemeClr>
             </a:solidFill>
-          </a:ln>
-        </p:spPr>
-        <p:style>
-          <a:lnRef idx="2">
-            <a:schemeClr val="accent1">
-              <a:shade val="15000"/>
-            </a:schemeClr>
-          </a:lnRef>
-          <a:fillRef idx="1">
-            <a:schemeClr val="accent1"/>
-          </a:fillRef>
-          <a:effectRef idx="0">
-            <a:schemeClr val="accent1"/>
-          </a:effectRef>
-          <a:fontRef idx="minor">
-            <a:schemeClr val="lt1"/>
-          </a:fontRef>
-        </p:style>
-        <p:txBody>
-          <a:bodyPr rtlCol="0" anchor="ctr"/>
-          <a:lstStyle/>
-          <a:p>
-            <a:pPr algn="ctr"/>
-            <a:r>
-              <a:rPr lang="en-AU" sz="900" dirty="0">
+            <a:ln>
+              <a:solidFill>
+                <a:schemeClr val="accent1">
+                  <a:lumMod val="20000"/>
+                  <a:lumOff val="80000"/>
+                </a:schemeClr>
+              </a:solidFill>
+            </a:ln>
+          </p:spPr>
+          <p:style>
+            <a:lnRef idx="2">
+              <a:schemeClr val="accent1">
+                <a:shade val="15000"/>
+              </a:schemeClr>
+            </a:lnRef>
+            <a:fillRef idx="1">
+              <a:schemeClr val="accent1"/>
+            </a:fillRef>
+            <a:effectRef idx="0">
+              <a:schemeClr val="accent1"/>
+            </a:effectRef>
+            <a:fontRef idx="minor">
+              <a:schemeClr val="lt1"/>
+            </a:fontRef>
+          </p:style>
+          <p:txBody>
+            <a:bodyPr rtlCol="0" anchor="ctr"/>
+            <a:lstStyle/>
+            <a:p>
+              <a:pPr algn="ctr"/>
+              <a:r>
+                <a:rPr lang="en-US" sz="900" dirty="0">
+                  <a:solidFill>
+                    <a:schemeClr val="tx1"/>
+                  </a:solidFill>
+                </a:rPr>
+                <a:t>Counselling, mentorship &amp; career guidance hub</a:t>
+              </a:r>
+              <a:endParaRPr lang="en-AU" sz="900" dirty="0">
                 <a:solidFill>
                   <a:schemeClr val="tx1"/>
                 </a:solidFill>
-              </a:rPr>
-              <a:t>Mentorship &amp; career guidance hub</a:t>
-            </a:r>
-          </a:p>
-        </p:txBody>
-      </p:sp>
-      <p:sp>
-        <p:nvSpPr>
-          <p:cNvPr id="50" name="Rectangle 49">
-            <a:extLst>
-              <a:ext uri="{FF2B5EF4-FFF2-40B4-BE49-F238E27FC236}">
-                <a16:creationId xmlns:a16="http://schemas.microsoft.com/office/drawing/2014/main" id="{E2AA9908-153F-9D10-6878-4A7C133D723A}"/>
-              </a:ext>
-            </a:extLst>
-          </p:cNvPr>
-          <p:cNvSpPr/>
-          <p:nvPr/>
-        </p:nvSpPr>
-        <p:spPr>
-          <a:xfrm>
-            <a:off x="6458650" y="3809999"/>
-            <a:ext cx="1525770" cy="576000"/>
-          </a:xfrm>
-          <a:prstGeom prst="rect">
-            <a:avLst/>
-          </a:prstGeom>
-          <a:solidFill>
-            <a:schemeClr val="accent1">
-              <a:lumMod val="20000"/>
-              <a:lumOff val="80000"/>
-            </a:schemeClr>
-          </a:solidFill>
-          <a:ln>
+              </a:endParaRPr>
+            </a:p>
+          </p:txBody>
+        </p:sp>
+        <p:sp>
+          <p:nvSpPr>
+            <p:cNvPr id="54" name="Rectangle 53">
+              <a:extLst>
+                <a:ext uri="{FF2B5EF4-FFF2-40B4-BE49-F238E27FC236}">
+                  <a16:creationId xmlns:a16="http://schemas.microsoft.com/office/drawing/2014/main" id="{EA6EC3DC-500C-21A1-39BB-0647AA3EA972}"/>
+                </a:ext>
+              </a:extLst>
+            </p:cNvPr>
+            <p:cNvSpPr/>
+            <p:nvPr/>
+          </p:nvSpPr>
+          <p:spPr>
+            <a:xfrm>
+              <a:off x="8466396" y="2266949"/>
+              <a:ext cx="1525770" cy="576000"/>
+            </a:xfrm>
+            <a:prstGeom prst="rect">
+              <a:avLst/>
+            </a:prstGeom>
             <a:solidFill>
               <a:schemeClr val="accent1">
                 <a:lumMod val="20000"/>
                 <a:lumOff val="80000"/>
               </a:schemeClr>
             </a:solidFill>
-          </a:ln>
-        </p:spPr>
-        <p:style>
-          <a:lnRef idx="2">
-            <a:schemeClr val="accent1">
-              <a:shade val="15000"/>
-            </a:schemeClr>
-          </a:lnRef>
-          <a:fillRef idx="1">
-            <a:schemeClr val="accent1"/>
-          </a:fillRef>
-          <a:effectRef idx="0">
-            <a:schemeClr val="accent1"/>
-          </a:effectRef>
-          <a:fontRef idx="minor">
-            <a:schemeClr val="lt1"/>
-          </a:fontRef>
-        </p:style>
-        <p:txBody>
-          <a:bodyPr rtlCol="0" anchor="ctr"/>
-          <a:lstStyle/>
-          <a:p>
-            <a:pPr algn="ctr"/>
-            <a:r>
-              <a:rPr lang="en-AU" sz="900" dirty="0">
-                <a:solidFill>
-                  <a:schemeClr val="tx1"/>
-                </a:solidFill>
-              </a:rPr>
-              <a:t>Mentorship &amp; career guidance hub</a:t>
-            </a:r>
-          </a:p>
-        </p:txBody>
-      </p:sp>
-      <p:sp>
-        <p:nvSpPr>
-          <p:cNvPr id="51" name="Rectangle 50">
-            <a:extLst>
-              <a:ext uri="{FF2B5EF4-FFF2-40B4-BE49-F238E27FC236}">
-                <a16:creationId xmlns:a16="http://schemas.microsoft.com/office/drawing/2014/main" id="{CAB4723C-3CE0-C338-0BA7-C6CD758BE5F1}"/>
-              </a:ext>
-            </a:extLst>
-          </p:cNvPr>
-          <p:cNvSpPr/>
-          <p:nvPr/>
-        </p:nvSpPr>
-        <p:spPr>
-          <a:xfrm>
-            <a:off x="6458650" y="4581524"/>
-            <a:ext cx="1525770" cy="576000"/>
-          </a:xfrm>
-          <a:prstGeom prst="rect">
-            <a:avLst/>
-          </a:prstGeom>
-          <a:solidFill>
-            <a:schemeClr val="accent1">
-              <a:lumMod val="20000"/>
-              <a:lumOff val="80000"/>
-            </a:schemeClr>
-          </a:solidFill>
-          <a:ln>
+            <a:ln>
+              <a:solidFill>
+                <a:schemeClr val="accent1">
+                  <a:lumMod val="20000"/>
+                  <a:lumOff val="80000"/>
+                </a:schemeClr>
+              </a:solidFill>
+            </a:ln>
+          </p:spPr>
+          <p:style>
+            <a:lnRef idx="2">
+              <a:schemeClr val="accent1">
+                <a:shade val="15000"/>
+              </a:schemeClr>
+            </a:lnRef>
+            <a:fillRef idx="1">
+              <a:schemeClr val="accent1"/>
+            </a:fillRef>
+            <a:effectRef idx="0">
+              <a:schemeClr val="accent1"/>
+            </a:effectRef>
+            <a:fontRef idx="minor">
+              <a:schemeClr val="lt1"/>
+            </a:fontRef>
+          </p:style>
+          <p:txBody>
+            <a:bodyPr rtlCol="0" anchor="ctr"/>
+            <a:lstStyle/>
+            <a:p>
+              <a:pPr algn="ctr"/>
+              <a:r>
+                <a:rPr lang="en-AU" sz="900" dirty="0">
+                  <a:solidFill>
+                    <a:schemeClr val="tx1"/>
+                  </a:solidFill>
+                </a:rPr>
+                <a:t>Donations form</a:t>
+              </a:r>
+            </a:p>
+          </p:txBody>
+        </p:sp>
+        <p:sp>
+          <p:nvSpPr>
+            <p:cNvPr id="55" name="Rectangle 54">
+              <a:extLst>
+                <a:ext uri="{FF2B5EF4-FFF2-40B4-BE49-F238E27FC236}">
+                  <a16:creationId xmlns:a16="http://schemas.microsoft.com/office/drawing/2014/main" id="{8387AC9C-D5EA-A1E0-4324-54553361141E}"/>
+                </a:ext>
+              </a:extLst>
+            </p:cNvPr>
+            <p:cNvSpPr/>
+            <p:nvPr/>
+          </p:nvSpPr>
+          <p:spPr>
+            <a:xfrm>
+              <a:off x="8466396" y="3038474"/>
+              <a:ext cx="1525770" cy="576000"/>
+            </a:xfrm>
+            <a:prstGeom prst="rect">
+              <a:avLst/>
+            </a:prstGeom>
             <a:solidFill>
               <a:schemeClr val="accent1">
                 <a:lumMod val="20000"/>
                 <a:lumOff val="80000"/>
               </a:schemeClr>
             </a:solidFill>
-          </a:ln>
-        </p:spPr>
-        <p:style>
-          <a:lnRef idx="2">
-            <a:schemeClr val="accent1">
-              <a:shade val="15000"/>
-            </a:schemeClr>
-          </a:lnRef>
-          <a:fillRef idx="1">
-            <a:schemeClr val="accent1"/>
-          </a:fillRef>
-          <a:effectRef idx="0">
-            <a:schemeClr val="accent1"/>
-          </a:effectRef>
-          <a:fontRef idx="minor">
-            <a:schemeClr val="lt1"/>
-          </a:fontRef>
-        </p:style>
-        <p:txBody>
-          <a:bodyPr rtlCol="0" anchor="ctr"/>
-          <a:lstStyle/>
-          <a:p>
-            <a:pPr algn="ctr"/>
-            <a:r>
-              <a:rPr lang="en-AU" sz="900" dirty="0">
-                <a:solidFill>
-                  <a:schemeClr val="tx1"/>
-                </a:solidFill>
-              </a:rPr>
-              <a:t>Online counselling &amp; support hub</a:t>
-            </a:r>
-          </a:p>
-        </p:txBody>
-      </p:sp>
-      <p:sp>
-        <p:nvSpPr>
-          <p:cNvPr id="54" name="Rectangle 53">
-            <a:extLst>
-              <a:ext uri="{FF2B5EF4-FFF2-40B4-BE49-F238E27FC236}">
-                <a16:creationId xmlns:a16="http://schemas.microsoft.com/office/drawing/2014/main" id="{EA6EC3DC-500C-21A1-39BB-0647AA3EA972}"/>
-              </a:ext>
-            </a:extLst>
-          </p:cNvPr>
-          <p:cNvSpPr/>
+            <a:ln>
+              <a:solidFill>
+                <a:schemeClr val="accent1">
+                  <a:lumMod val="20000"/>
+                  <a:lumOff val="80000"/>
+                </a:schemeClr>
+              </a:solidFill>
+            </a:ln>
+          </p:spPr>
+          <p:style>
+            <a:lnRef idx="2">
+              <a:schemeClr val="accent1">
+                <a:shade val="15000"/>
+              </a:schemeClr>
+            </a:lnRef>
+            <a:fillRef idx="1">
+              <a:schemeClr val="accent1"/>
+            </a:fillRef>
+            <a:effectRef idx="0">
+              <a:schemeClr val="accent1"/>
+            </a:effectRef>
+            <a:fontRef idx="minor">
+              <a:schemeClr val="lt1"/>
+            </a:fontRef>
+          </p:style>
+          <p:txBody>
+            <a:bodyPr rtlCol="0" anchor="ctr"/>
+            <a:lstStyle/>
+            <a:p>
+              <a:pPr algn="ctr"/>
+              <a:r>
+                <a:rPr lang="en-AU" sz="900" dirty="0">
+                  <a:solidFill>
+                    <a:schemeClr val="tx1"/>
+                  </a:solidFill>
+                </a:rPr>
+                <a:t>Donation confirmation</a:t>
+              </a:r>
+            </a:p>
+          </p:txBody>
+        </p:sp>
+        <p:cxnSp>
+          <p:nvCxnSpPr>
+            <p:cNvPr id="74" name="Connector: Elbow 73">
+              <a:extLst>
+                <a:ext uri="{FF2B5EF4-FFF2-40B4-BE49-F238E27FC236}">
+                  <a16:creationId xmlns:a16="http://schemas.microsoft.com/office/drawing/2014/main" id="{BABFF995-8BC7-EB12-5600-6D2D0C23C9F2}"/>
+                </a:ext>
+              </a:extLst>
+            </p:cNvPr>
+            <p:cNvCxnSpPr>
+              <a:stCxn id="19" idx="2"/>
+              <a:endCxn id="20" idx="0"/>
+            </p:cNvCxnSpPr>
+            <p:nvPr/>
+          </p:nvCxnSpPr>
+          <p:spPr>
+            <a:xfrm rot="5400000">
+              <a:off x="3342506" y="-1258071"/>
+              <a:ext cx="487624" cy="5019366"/>
+            </a:xfrm>
+            <a:prstGeom prst="bentConnector3">
+              <a:avLst/>
+            </a:prstGeom>
+            <a:ln>
+              <a:solidFill>
+                <a:schemeClr val="tx2"/>
+              </a:solidFill>
+              <a:tailEnd type="triangle"/>
+            </a:ln>
+          </p:spPr>
+          <p:style>
+            <a:lnRef idx="2">
+              <a:schemeClr val="accent1"/>
+            </a:lnRef>
+            <a:fillRef idx="0">
+              <a:schemeClr val="accent1"/>
+            </a:fillRef>
+            <a:effectRef idx="1">
+              <a:schemeClr val="accent1"/>
+            </a:effectRef>
+            <a:fontRef idx="minor">
+              <a:schemeClr val="tx1"/>
+            </a:fontRef>
+          </p:style>
+        </p:cxnSp>
+        <p:cxnSp>
+          <p:nvCxnSpPr>
+            <p:cNvPr id="75" name="Connector: Elbow 74">
+              <a:extLst>
+                <a:ext uri="{FF2B5EF4-FFF2-40B4-BE49-F238E27FC236}">
+                  <a16:creationId xmlns:a16="http://schemas.microsoft.com/office/drawing/2014/main" id="{1FD6105E-F620-82BF-35CB-034D74837D1F}"/>
+                </a:ext>
+              </a:extLst>
+            </p:cNvPr>
+            <p:cNvCxnSpPr>
+              <a:cxnSpLocks/>
+              <a:stCxn id="19" idx="2"/>
+              <a:endCxn id="26" idx="0"/>
+            </p:cNvCxnSpPr>
+            <p:nvPr/>
+          </p:nvCxnSpPr>
+          <p:spPr>
+            <a:xfrm rot="5400000">
+              <a:off x="4346379" y="-254198"/>
+              <a:ext cx="487624" cy="3011620"/>
+            </a:xfrm>
+            <a:prstGeom prst="bentConnector3">
+              <a:avLst>
+                <a:gd name="adj1" fmla="val 50000"/>
+              </a:avLst>
+            </a:prstGeom>
+            <a:ln>
+              <a:solidFill>
+                <a:schemeClr val="tx2"/>
+              </a:solidFill>
+              <a:tailEnd type="triangle"/>
+            </a:ln>
+          </p:spPr>
+          <p:style>
+            <a:lnRef idx="2">
+              <a:schemeClr val="accent1"/>
+            </a:lnRef>
+            <a:fillRef idx="0">
+              <a:schemeClr val="accent1"/>
+            </a:fillRef>
+            <a:effectRef idx="1">
+              <a:schemeClr val="accent1"/>
+            </a:effectRef>
+            <a:fontRef idx="minor">
+              <a:schemeClr val="tx1"/>
+            </a:fontRef>
+          </p:style>
+        </p:cxnSp>
+        <p:cxnSp>
+          <p:nvCxnSpPr>
+            <p:cNvPr id="78" name="Connector: Elbow 77">
+              <a:extLst>
+                <a:ext uri="{FF2B5EF4-FFF2-40B4-BE49-F238E27FC236}">
+                  <a16:creationId xmlns:a16="http://schemas.microsoft.com/office/drawing/2014/main" id="{8908553A-55D9-9F14-6B11-088108A1B655}"/>
+                </a:ext>
+              </a:extLst>
+            </p:cNvPr>
+            <p:cNvCxnSpPr>
+              <a:cxnSpLocks/>
+              <a:stCxn id="19" idx="2"/>
+              <a:endCxn id="21" idx="0"/>
+            </p:cNvCxnSpPr>
+            <p:nvPr/>
+          </p:nvCxnSpPr>
+          <p:spPr>
+            <a:xfrm rot="5400000">
+              <a:off x="5350253" y="749676"/>
+              <a:ext cx="487624" cy="1003873"/>
+            </a:xfrm>
+            <a:prstGeom prst="bentConnector3">
+              <a:avLst>
+                <a:gd name="adj1" fmla="val 50000"/>
+              </a:avLst>
+            </a:prstGeom>
+            <a:ln>
+              <a:solidFill>
+                <a:schemeClr val="tx2"/>
+              </a:solidFill>
+              <a:tailEnd type="triangle"/>
+            </a:ln>
+          </p:spPr>
+          <p:style>
+            <a:lnRef idx="2">
+              <a:schemeClr val="accent1"/>
+            </a:lnRef>
+            <a:fillRef idx="0">
+              <a:schemeClr val="accent1"/>
+            </a:fillRef>
+            <a:effectRef idx="1">
+              <a:schemeClr val="accent1"/>
+            </a:effectRef>
+            <a:fontRef idx="minor">
+              <a:schemeClr val="tx1"/>
+            </a:fontRef>
+          </p:style>
+        </p:cxnSp>
+        <p:cxnSp>
+          <p:nvCxnSpPr>
+            <p:cNvPr id="82" name="Connector: Elbow 81">
+              <a:extLst>
+                <a:ext uri="{FF2B5EF4-FFF2-40B4-BE49-F238E27FC236}">
+                  <a16:creationId xmlns:a16="http://schemas.microsoft.com/office/drawing/2014/main" id="{1CB45202-8152-5354-5FBF-23B0C0C7781F}"/>
+                </a:ext>
+              </a:extLst>
+            </p:cNvPr>
+            <p:cNvCxnSpPr>
+              <a:cxnSpLocks/>
+              <a:stCxn id="19" idx="2"/>
+              <a:endCxn id="27" idx="0"/>
+            </p:cNvCxnSpPr>
+            <p:nvPr/>
+          </p:nvCxnSpPr>
+          <p:spPr>
+            <a:xfrm rot="16200000" flipH="1">
+              <a:off x="6354125" y="749675"/>
+              <a:ext cx="487624" cy="1003873"/>
+            </a:xfrm>
+            <a:prstGeom prst="bentConnector3">
+              <a:avLst>
+                <a:gd name="adj1" fmla="val 50000"/>
+              </a:avLst>
+            </a:prstGeom>
+            <a:ln>
+              <a:solidFill>
+                <a:schemeClr val="tx2"/>
+              </a:solidFill>
+              <a:tailEnd type="triangle"/>
+            </a:ln>
+          </p:spPr>
+          <p:style>
+            <a:lnRef idx="2">
+              <a:schemeClr val="accent1"/>
+            </a:lnRef>
+            <a:fillRef idx="0">
+              <a:schemeClr val="accent1"/>
+            </a:fillRef>
+            <a:effectRef idx="1">
+              <a:schemeClr val="accent1"/>
+            </a:effectRef>
+            <a:fontRef idx="minor">
+              <a:schemeClr val="tx1"/>
+            </a:fontRef>
+          </p:style>
+        </p:cxnSp>
+        <p:cxnSp>
+          <p:nvCxnSpPr>
+            <p:cNvPr id="85" name="Connector: Elbow 84">
+              <a:extLst>
+                <a:ext uri="{FF2B5EF4-FFF2-40B4-BE49-F238E27FC236}">
+                  <a16:creationId xmlns:a16="http://schemas.microsoft.com/office/drawing/2014/main" id="{9F9935AB-D285-CA95-52A5-7E1F47ED3FC0}"/>
+                </a:ext>
+              </a:extLst>
+            </p:cNvPr>
+            <p:cNvCxnSpPr>
+              <a:cxnSpLocks/>
+              <a:stCxn id="19" idx="2"/>
+              <a:endCxn id="22" idx="0"/>
+            </p:cNvCxnSpPr>
+            <p:nvPr/>
+          </p:nvCxnSpPr>
+          <p:spPr>
+            <a:xfrm rot="16200000" flipH="1">
+              <a:off x="7357998" y="-254198"/>
+              <a:ext cx="487624" cy="3011619"/>
+            </a:xfrm>
+            <a:prstGeom prst="bentConnector3">
+              <a:avLst>
+                <a:gd name="adj1" fmla="val 50000"/>
+              </a:avLst>
+            </a:prstGeom>
+            <a:ln>
+              <a:solidFill>
+                <a:schemeClr val="tx2"/>
+              </a:solidFill>
+              <a:tailEnd type="triangle"/>
+            </a:ln>
+          </p:spPr>
+          <p:style>
+            <a:lnRef idx="2">
+              <a:schemeClr val="accent1"/>
+            </a:lnRef>
+            <a:fillRef idx="0">
+              <a:schemeClr val="accent1"/>
+            </a:fillRef>
+            <a:effectRef idx="1">
+              <a:schemeClr val="accent1"/>
+            </a:effectRef>
+            <a:fontRef idx="minor">
+              <a:schemeClr val="tx1"/>
+            </a:fontRef>
+          </p:style>
+        </p:cxnSp>
+        <p:cxnSp>
+          <p:nvCxnSpPr>
+            <p:cNvPr id="89" name="Connector: Elbow 88">
+              <a:extLst>
+                <a:ext uri="{FF2B5EF4-FFF2-40B4-BE49-F238E27FC236}">
+                  <a16:creationId xmlns:a16="http://schemas.microsoft.com/office/drawing/2014/main" id="{7F23A89A-2CD6-8BCF-35E5-75EADD921156}"/>
+                </a:ext>
+              </a:extLst>
+            </p:cNvPr>
+            <p:cNvCxnSpPr>
+              <a:cxnSpLocks/>
+              <a:stCxn id="19" idx="2"/>
+              <a:endCxn id="28" idx="0"/>
+            </p:cNvCxnSpPr>
+            <p:nvPr/>
+          </p:nvCxnSpPr>
+          <p:spPr>
+            <a:xfrm rot="16200000" flipH="1">
+              <a:off x="8361872" y="-1258071"/>
+              <a:ext cx="487624" cy="5019366"/>
+            </a:xfrm>
+            <a:prstGeom prst="bentConnector3">
+              <a:avLst>
+                <a:gd name="adj1" fmla="val 50000"/>
+              </a:avLst>
+            </a:prstGeom>
+            <a:ln>
+              <a:solidFill>
+                <a:schemeClr val="tx2"/>
+              </a:solidFill>
+              <a:tailEnd type="triangle"/>
+            </a:ln>
+          </p:spPr>
+          <p:style>
+            <a:lnRef idx="2">
+              <a:schemeClr val="accent1"/>
+            </a:lnRef>
+            <a:fillRef idx="0">
+              <a:schemeClr val="accent1"/>
+            </a:fillRef>
+            <a:effectRef idx="1">
+              <a:schemeClr val="accent1"/>
+            </a:effectRef>
+            <a:fontRef idx="minor">
+              <a:schemeClr val="tx1"/>
+            </a:fontRef>
+          </p:style>
+        </p:cxnSp>
+        <p:cxnSp>
+          <p:nvCxnSpPr>
+            <p:cNvPr id="93" name="Connector: Elbow 92">
+              <a:extLst>
+                <a:ext uri="{FF2B5EF4-FFF2-40B4-BE49-F238E27FC236}">
+                  <a16:creationId xmlns:a16="http://schemas.microsoft.com/office/drawing/2014/main" id="{9728AD46-2B1A-048F-7926-93592C019789}"/>
+                </a:ext>
+              </a:extLst>
+            </p:cNvPr>
+            <p:cNvCxnSpPr>
+              <a:cxnSpLocks/>
+              <a:endCxn id="32" idx="1"/>
+            </p:cNvCxnSpPr>
+            <p:nvPr/>
+          </p:nvCxnSpPr>
+          <p:spPr>
+            <a:xfrm rot="16200000" flipH="1">
+              <a:off x="-654613" y="3007975"/>
+              <a:ext cx="2026576" cy="153472"/>
+            </a:xfrm>
+            <a:prstGeom prst="bentConnector2">
+              <a:avLst/>
+            </a:prstGeom>
+            <a:ln>
+              <a:tailEnd type="triangle"/>
+            </a:ln>
+          </p:spPr>
+          <p:style>
+            <a:lnRef idx="2">
+              <a:schemeClr val="accent1"/>
+            </a:lnRef>
+            <a:fillRef idx="0">
+              <a:schemeClr val="accent1"/>
+            </a:fillRef>
+            <a:effectRef idx="1">
+              <a:schemeClr val="accent1"/>
+            </a:effectRef>
+            <a:fontRef idx="minor">
+              <a:schemeClr val="tx1"/>
+            </a:fontRef>
+          </p:style>
+        </p:cxnSp>
+        <p:cxnSp>
+          <p:nvCxnSpPr>
+            <p:cNvPr id="96" name="Straight Arrow Connector 95">
+              <a:extLst>
+                <a:ext uri="{FF2B5EF4-FFF2-40B4-BE49-F238E27FC236}">
+                  <a16:creationId xmlns:a16="http://schemas.microsoft.com/office/drawing/2014/main" id="{D0379339-6D6B-266B-03AA-901E21CFC5C8}"/>
+                </a:ext>
+              </a:extLst>
+            </p:cNvPr>
+            <p:cNvCxnSpPr>
+              <a:endCxn id="31" idx="1"/>
+            </p:cNvCxnSpPr>
+            <p:nvPr/>
+          </p:nvCxnSpPr>
+          <p:spPr>
+            <a:xfrm>
+              <a:off x="289560" y="3326474"/>
+              <a:ext cx="145851" cy="0"/>
+            </a:xfrm>
+            <a:prstGeom prst="straightConnector1">
+              <a:avLst/>
+            </a:prstGeom>
+            <a:ln>
+              <a:tailEnd type="triangle"/>
+            </a:ln>
+          </p:spPr>
+          <p:style>
+            <a:lnRef idx="2">
+              <a:schemeClr val="accent1"/>
+            </a:lnRef>
+            <a:fillRef idx="0">
+              <a:schemeClr val="accent1"/>
+            </a:fillRef>
+            <a:effectRef idx="1">
+              <a:schemeClr val="accent1"/>
+            </a:effectRef>
+            <a:fontRef idx="minor">
+              <a:schemeClr val="tx1"/>
+            </a:fontRef>
+          </p:style>
+        </p:cxnSp>
+        <p:cxnSp>
+          <p:nvCxnSpPr>
+            <p:cNvPr id="97" name="Straight Arrow Connector 96">
+              <a:extLst>
+                <a:ext uri="{FF2B5EF4-FFF2-40B4-BE49-F238E27FC236}">
+                  <a16:creationId xmlns:a16="http://schemas.microsoft.com/office/drawing/2014/main" id="{DF3F4667-5A41-6D0A-65E3-926A79CAAA0E}"/>
+                </a:ext>
+              </a:extLst>
+            </p:cNvPr>
+            <p:cNvCxnSpPr>
+              <a:cxnSpLocks/>
+              <a:endCxn id="30" idx="1"/>
+            </p:cNvCxnSpPr>
+            <p:nvPr/>
+          </p:nvCxnSpPr>
+          <p:spPr>
+            <a:xfrm>
+              <a:off x="281938" y="2554949"/>
+              <a:ext cx="153473" cy="0"/>
+            </a:xfrm>
+            <a:prstGeom prst="straightConnector1">
+              <a:avLst/>
+            </a:prstGeom>
+            <a:ln>
+              <a:tailEnd type="triangle"/>
+            </a:ln>
+          </p:spPr>
+          <p:style>
+            <a:lnRef idx="2">
+              <a:schemeClr val="accent1"/>
+            </a:lnRef>
+            <a:fillRef idx="0">
+              <a:schemeClr val="accent1"/>
+            </a:fillRef>
+            <a:effectRef idx="1">
+              <a:schemeClr val="accent1"/>
+            </a:effectRef>
+            <a:fontRef idx="minor">
+              <a:schemeClr val="tx1"/>
+            </a:fontRef>
+          </p:style>
+        </p:cxnSp>
+        <p:cxnSp>
+          <p:nvCxnSpPr>
+            <p:cNvPr id="99" name="Connector: Elbow 98">
+              <a:extLst>
+                <a:ext uri="{FF2B5EF4-FFF2-40B4-BE49-F238E27FC236}">
+                  <a16:creationId xmlns:a16="http://schemas.microsoft.com/office/drawing/2014/main" id="{9BE81D69-3F7C-8BAB-D0D4-7419988C9CCB}"/>
+                </a:ext>
+              </a:extLst>
+            </p:cNvPr>
+            <p:cNvCxnSpPr>
+              <a:cxnSpLocks/>
+              <a:endCxn id="36" idx="1"/>
+            </p:cNvCxnSpPr>
+            <p:nvPr/>
+          </p:nvCxnSpPr>
+          <p:spPr>
+            <a:xfrm rot="16200000" flipH="1">
+              <a:off x="1748483" y="2631800"/>
+              <a:ext cx="1255052" cy="134296"/>
+            </a:xfrm>
+            <a:prstGeom prst="bentConnector2">
+              <a:avLst/>
+            </a:prstGeom>
+            <a:ln>
+              <a:tailEnd type="triangle"/>
+            </a:ln>
+          </p:spPr>
+          <p:style>
+            <a:lnRef idx="2">
+              <a:schemeClr val="accent1"/>
+            </a:lnRef>
+            <a:fillRef idx="0">
+              <a:schemeClr val="accent1"/>
+            </a:fillRef>
+            <a:effectRef idx="1">
+              <a:schemeClr val="accent1"/>
+            </a:effectRef>
+            <a:fontRef idx="minor">
+              <a:schemeClr val="tx1"/>
+            </a:fontRef>
+          </p:style>
+        </p:cxnSp>
+        <p:cxnSp>
+          <p:nvCxnSpPr>
+            <p:cNvPr id="102" name="Connector: Elbow 101">
+              <a:extLst>
+                <a:ext uri="{FF2B5EF4-FFF2-40B4-BE49-F238E27FC236}">
+                  <a16:creationId xmlns:a16="http://schemas.microsoft.com/office/drawing/2014/main" id="{BDB0E267-F923-E789-11FB-7FBCA53C79D5}"/>
+                </a:ext>
+              </a:extLst>
+            </p:cNvPr>
+            <p:cNvCxnSpPr>
+              <a:cxnSpLocks/>
+            </p:cNvCxnSpPr>
+            <p:nvPr/>
+          </p:nvCxnSpPr>
+          <p:spPr>
+            <a:xfrm rot="16200000" flipH="1">
+              <a:off x="2573541" y="3789086"/>
+              <a:ext cx="3569628" cy="134297"/>
+            </a:xfrm>
+            <a:prstGeom prst="bentConnector2">
+              <a:avLst/>
+            </a:prstGeom>
+            <a:ln>
+              <a:tailEnd type="triangle"/>
+            </a:ln>
+          </p:spPr>
+          <p:style>
+            <a:lnRef idx="2">
+              <a:schemeClr val="accent1"/>
+            </a:lnRef>
+            <a:fillRef idx="0">
+              <a:schemeClr val="accent1"/>
+            </a:fillRef>
+            <a:effectRef idx="1">
+              <a:schemeClr val="accent1"/>
+            </a:effectRef>
+            <a:fontRef idx="minor">
+              <a:schemeClr val="tx1"/>
+            </a:fontRef>
+          </p:style>
+        </p:cxnSp>
+        <p:cxnSp>
+          <p:nvCxnSpPr>
+            <p:cNvPr id="106" name="Connector: Elbow 105">
+              <a:extLst>
+                <a:ext uri="{FF2B5EF4-FFF2-40B4-BE49-F238E27FC236}">
+                  <a16:creationId xmlns:a16="http://schemas.microsoft.com/office/drawing/2014/main" id="{18C17D2D-E411-0201-B8F5-68812A940E72}"/>
+                </a:ext>
+              </a:extLst>
+            </p:cNvPr>
+            <p:cNvCxnSpPr>
+              <a:cxnSpLocks/>
+              <a:endCxn id="49" idx="1"/>
+            </p:cNvCxnSpPr>
+            <p:nvPr/>
+          </p:nvCxnSpPr>
+          <p:spPr>
+            <a:xfrm rot="16200000" flipH="1">
+              <a:off x="5748098" y="2615922"/>
+              <a:ext cx="1255056" cy="166048"/>
+            </a:xfrm>
+            <a:prstGeom prst="bentConnector2">
+              <a:avLst/>
+            </a:prstGeom>
+            <a:ln>
+              <a:tailEnd type="triangle"/>
+            </a:ln>
+          </p:spPr>
+          <p:style>
+            <a:lnRef idx="2">
+              <a:schemeClr val="accent1"/>
+            </a:lnRef>
+            <a:fillRef idx="0">
+              <a:schemeClr val="accent1"/>
+            </a:fillRef>
+            <a:effectRef idx="1">
+              <a:schemeClr val="accent1"/>
+            </a:effectRef>
+            <a:fontRef idx="minor">
+              <a:schemeClr val="tx1"/>
+            </a:fontRef>
+          </p:style>
+        </p:cxnSp>
+        <p:cxnSp>
+          <p:nvCxnSpPr>
+            <p:cNvPr id="109" name="Connector: Elbow 108">
+              <a:extLst>
+                <a:ext uri="{FF2B5EF4-FFF2-40B4-BE49-F238E27FC236}">
+                  <a16:creationId xmlns:a16="http://schemas.microsoft.com/office/drawing/2014/main" id="{18C6FDB8-AD07-4E49-21C6-9A8F6ABB05DB}"/>
+                </a:ext>
+              </a:extLst>
+            </p:cNvPr>
+            <p:cNvCxnSpPr>
+              <a:cxnSpLocks/>
+              <a:endCxn id="55" idx="1"/>
+            </p:cNvCxnSpPr>
+            <p:nvPr/>
+          </p:nvCxnSpPr>
+          <p:spPr>
+            <a:xfrm rot="16200000" flipH="1">
+              <a:off x="7759790" y="2619868"/>
+              <a:ext cx="1255056" cy="158156"/>
+            </a:xfrm>
+            <a:prstGeom prst="bentConnector2">
+              <a:avLst/>
+            </a:prstGeom>
+            <a:ln>
+              <a:tailEnd type="triangle"/>
+            </a:ln>
+          </p:spPr>
+          <p:style>
+            <a:lnRef idx="2">
+              <a:schemeClr val="accent1"/>
+            </a:lnRef>
+            <a:fillRef idx="0">
+              <a:schemeClr val="accent1"/>
+            </a:fillRef>
+            <a:effectRef idx="1">
+              <a:schemeClr val="accent1"/>
+            </a:effectRef>
+            <a:fontRef idx="minor">
+              <a:schemeClr val="tx1"/>
+            </a:fontRef>
+          </p:style>
+        </p:cxnSp>
+        <p:cxnSp>
+          <p:nvCxnSpPr>
+            <p:cNvPr id="112" name="Straight Arrow Connector 111">
+              <a:extLst>
+                <a:ext uri="{FF2B5EF4-FFF2-40B4-BE49-F238E27FC236}">
+                  <a16:creationId xmlns:a16="http://schemas.microsoft.com/office/drawing/2014/main" id="{74CDCEE0-DFCD-FABD-6CA8-8A6C8EDCBA89}"/>
+                </a:ext>
+              </a:extLst>
+            </p:cNvPr>
+            <p:cNvCxnSpPr>
+              <a:cxnSpLocks/>
+              <a:endCxn id="35" idx="1"/>
+            </p:cNvCxnSpPr>
+            <p:nvPr/>
+          </p:nvCxnSpPr>
+          <p:spPr>
+            <a:xfrm>
+              <a:off x="2308861" y="2554949"/>
+              <a:ext cx="134296" cy="0"/>
+            </a:xfrm>
+            <a:prstGeom prst="straightConnector1">
+              <a:avLst/>
+            </a:prstGeom>
+            <a:ln>
+              <a:tailEnd type="triangle"/>
+            </a:ln>
+          </p:spPr>
+          <p:style>
+            <a:lnRef idx="2">
+              <a:schemeClr val="accent1"/>
+            </a:lnRef>
+            <a:fillRef idx="0">
+              <a:schemeClr val="accent1"/>
+            </a:fillRef>
+            <a:effectRef idx="1">
+              <a:schemeClr val="accent1"/>
+            </a:effectRef>
+            <a:fontRef idx="minor">
+              <a:schemeClr val="tx1"/>
+            </a:fontRef>
+          </p:style>
+        </p:cxnSp>
+        <p:cxnSp>
+          <p:nvCxnSpPr>
+            <p:cNvPr id="115" name="Straight Arrow Connector 114">
+              <a:extLst>
+                <a:ext uri="{FF2B5EF4-FFF2-40B4-BE49-F238E27FC236}">
+                  <a16:creationId xmlns:a16="http://schemas.microsoft.com/office/drawing/2014/main" id="{0BFE9103-E8BA-0AB6-9842-EEDA29554428}"/>
+                </a:ext>
+              </a:extLst>
+            </p:cNvPr>
+            <p:cNvCxnSpPr>
+              <a:cxnSpLocks/>
+            </p:cNvCxnSpPr>
+            <p:nvPr/>
+          </p:nvCxnSpPr>
+          <p:spPr>
+            <a:xfrm>
+              <a:off x="4291206" y="2554949"/>
+              <a:ext cx="153473" cy="0"/>
+            </a:xfrm>
+            <a:prstGeom prst="straightConnector1">
+              <a:avLst/>
+            </a:prstGeom>
+            <a:ln>
+              <a:tailEnd type="triangle"/>
+            </a:ln>
+          </p:spPr>
+          <p:style>
+            <a:lnRef idx="2">
+              <a:schemeClr val="accent1"/>
+            </a:lnRef>
+            <a:fillRef idx="0">
+              <a:schemeClr val="accent1"/>
+            </a:fillRef>
+            <a:effectRef idx="1">
+              <a:schemeClr val="accent1"/>
+            </a:effectRef>
+            <a:fontRef idx="minor">
+              <a:schemeClr val="tx1"/>
+            </a:fontRef>
+          </p:style>
+        </p:cxnSp>
+        <p:cxnSp>
+          <p:nvCxnSpPr>
+            <p:cNvPr id="116" name="Straight Arrow Connector 115">
+              <a:extLst>
+                <a:ext uri="{FF2B5EF4-FFF2-40B4-BE49-F238E27FC236}">
+                  <a16:creationId xmlns:a16="http://schemas.microsoft.com/office/drawing/2014/main" id="{113C2BC3-BE0C-25FE-5208-05DCBF3CAD9F}"/>
+                </a:ext>
+              </a:extLst>
+            </p:cNvPr>
+            <p:cNvCxnSpPr>
+              <a:cxnSpLocks/>
+            </p:cNvCxnSpPr>
+            <p:nvPr/>
+          </p:nvCxnSpPr>
+          <p:spPr>
+            <a:xfrm>
+              <a:off x="4291206" y="4869524"/>
+              <a:ext cx="153473" cy="0"/>
+            </a:xfrm>
+            <a:prstGeom prst="straightConnector1">
+              <a:avLst/>
+            </a:prstGeom>
+            <a:ln>
+              <a:tailEnd type="triangle"/>
+            </a:ln>
+          </p:spPr>
+          <p:style>
+            <a:lnRef idx="2">
+              <a:schemeClr val="accent1"/>
+            </a:lnRef>
+            <a:fillRef idx="0">
+              <a:schemeClr val="accent1"/>
+            </a:fillRef>
+            <a:effectRef idx="1">
+              <a:schemeClr val="accent1"/>
+            </a:effectRef>
+            <a:fontRef idx="minor">
+              <a:schemeClr val="tx1"/>
+            </a:fontRef>
+          </p:style>
+        </p:cxnSp>
+        <p:cxnSp>
+          <p:nvCxnSpPr>
+            <p:cNvPr id="117" name="Straight Arrow Connector 116">
+              <a:extLst>
+                <a:ext uri="{FF2B5EF4-FFF2-40B4-BE49-F238E27FC236}">
+                  <a16:creationId xmlns:a16="http://schemas.microsoft.com/office/drawing/2014/main" id="{731E0C53-2035-4CE4-AD1B-D3AA5D3D90AD}"/>
+                </a:ext>
+              </a:extLst>
+            </p:cNvPr>
+            <p:cNvCxnSpPr>
+              <a:cxnSpLocks/>
+            </p:cNvCxnSpPr>
+            <p:nvPr/>
+          </p:nvCxnSpPr>
+          <p:spPr>
+            <a:xfrm>
+              <a:off x="4291206" y="3326474"/>
+              <a:ext cx="153473" cy="0"/>
+            </a:xfrm>
+            <a:prstGeom prst="straightConnector1">
+              <a:avLst/>
+            </a:prstGeom>
+            <a:ln>
+              <a:tailEnd type="triangle"/>
+            </a:ln>
+          </p:spPr>
+          <p:style>
+            <a:lnRef idx="2">
+              <a:schemeClr val="accent1"/>
+            </a:lnRef>
+            <a:fillRef idx="0">
+              <a:schemeClr val="accent1"/>
+            </a:fillRef>
+            <a:effectRef idx="1">
+              <a:schemeClr val="accent1"/>
+            </a:effectRef>
+            <a:fontRef idx="minor">
+              <a:schemeClr val="tx1"/>
+            </a:fontRef>
+          </p:style>
+        </p:cxnSp>
+        <p:cxnSp>
+          <p:nvCxnSpPr>
+            <p:cNvPr id="118" name="Straight Arrow Connector 117">
+              <a:extLst>
+                <a:ext uri="{FF2B5EF4-FFF2-40B4-BE49-F238E27FC236}">
+                  <a16:creationId xmlns:a16="http://schemas.microsoft.com/office/drawing/2014/main" id="{BF4E455F-3D01-45A2-F2BD-4AEBF577B60B}"/>
+                </a:ext>
+              </a:extLst>
+            </p:cNvPr>
+            <p:cNvCxnSpPr>
+              <a:cxnSpLocks/>
+            </p:cNvCxnSpPr>
+            <p:nvPr/>
+          </p:nvCxnSpPr>
+          <p:spPr>
+            <a:xfrm>
+              <a:off x="4291206" y="4097999"/>
+              <a:ext cx="153473" cy="0"/>
+            </a:xfrm>
+            <a:prstGeom prst="straightConnector1">
+              <a:avLst/>
+            </a:prstGeom>
+            <a:ln>
+              <a:tailEnd type="triangle"/>
+            </a:ln>
+          </p:spPr>
+          <p:style>
+            <a:lnRef idx="2">
+              <a:schemeClr val="accent1"/>
+            </a:lnRef>
+            <a:fillRef idx="0">
+              <a:schemeClr val="accent1"/>
+            </a:fillRef>
+            <a:effectRef idx="1">
+              <a:schemeClr val="accent1"/>
+            </a:effectRef>
+            <a:fontRef idx="minor">
+              <a:schemeClr val="tx1"/>
+            </a:fontRef>
+          </p:style>
+        </p:cxnSp>
+        <p:cxnSp>
+          <p:nvCxnSpPr>
+            <p:cNvPr id="120" name="Straight Arrow Connector 119">
+              <a:extLst>
+                <a:ext uri="{FF2B5EF4-FFF2-40B4-BE49-F238E27FC236}">
+                  <a16:creationId xmlns:a16="http://schemas.microsoft.com/office/drawing/2014/main" id="{11A83820-10AB-0523-A4B7-A3CD2EE675A2}"/>
+                </a:ext>
+              </a:extLst>
+            </p:cNvPr>
+            <p:cNvCxnSpPr>
+              <a:cxnSpLocks/>
+            </p:cNvCxnSpPr>
+            <p:nvPr/>
+          </p:nvCxnSpPr>
+          <p:spPr>
+            <a:xfrm>
+              <a:off x="6298827" y="2550848"/>
+              <a:ext cx="153473" cy="0"/>
+            </a:xfrm>
+            <a:prstGeom prst="straightConnector1">
+              <a:avLst/>
+            </a:prstGeom>
+            <a:ln>
+              <a:tailEnd type="triangle"/>
+            </a:ln>
+          </p:spPr>
+          <p:style>
+            <a:lnRef idx="2">
+              <a:schemeClr val="accent1"/>
+            </a:lnRef>
+            <a:fillRef idx="0">
+              <a:schemeClr val="accent1"/>
+            </a:fillRef>
+            <a:effectRef idx="1">
+              <a:schemeClr val="accent1"/>
+            </a:effectRef>
+            <a:fontRef idx="minor">
+              <a:schemeClr val="tx1"/>
+            </a:fontRef>
+          </p:style>
+        </p:cxnSp>
+        <p:cxnSp>
+          <p:nvCxnSpPr>
+            <p:cNvPr id="124" name="Straight Arrow Connector 123">
+              <a:extLst>
+                <a:ext uri="{FF2B5EF4-FFF2-40B4-BE49-F238E27FC236}">
+                  <a16:creationId xmlns:a16="http://schemas.microsoft.com/office/drawing/2014/main" id="{0D553E9C-D276-B539-C41B-2D6AAE14D822}"/>
+                </a:ext>
+              </a:extLst>
+            </p:cNvPr>
+            <p:cNvCxnSpPr>
+              <a:cxnSpLocks/>
+            </p:cNvCxnSpPr>
+            <p:nvPr/>
+          </p:nvCxnSpPr>
+          <p:spPr>
+            <a:xfrm>
+              <a:off x="8312923" y="2550848"/>
+              <a:ext cx="153473" cy="0"/>
+            </a:xfrm>
+            <a:prstGeom prst="straightConnector1">
+              <a:avLst/>
+            </a:prstGeom>
+            <a:ln>
+              <a:tailEnd type="triangle"/>
+            </a:ln>
+          </p:spPr>
+          <p:style>
+            <a:lnRef idx="2">
+              <a:schemeClr val="accent1"/>
+            </a:lnRef>
+            <a:fillRef idx="0">
+              <a:schemeClr val="accent1"/>
+            </a:fillRef>
+            <a:effectRef idx="1">
+              <a:schemeClr val="accent1"/>
+            </a:effectRef>
+            <a:fontRef idx="minor">
+              <a:schemeClr val="tx1"/>
+            </a:fontRef>
+          </p:style>
+        </p:cxnSp>
+      </p:grpSp>
+      <p:sp>
+        <p:nvSpPr>
+          <p:cNvPr id="3" name="TextBox 2">
+            <a:extLst>
+              <a:ext uri="{FF2B5EF4-FFF2-40B4-BE49-F238E27FC236}">
+                <a16:creationId xmlns:a16="http://schemas.microsoft.com/office/drawing/2014/main" id="{EEE1099C-9A55-71B2-02DC-927BF3347CE5}"/>
+              </a:ext>
+            </a:extLst>
+          </p:cNvPr>
+          <p:cNvSpPr txBox="1"/>
           <p:nvPr/>
         </p:nvSpPr>
         <p:spPr>
           <a:xfrm>
-            <a:off x="8466396" y="2266949"/>
-            <a:ext cx="1525770" cy="576000"/>
+            <a:off x="294458" y="1796143"/>
+            <a:ext cx="1371601" cy="261610"/>
           </a:xfrm>
           <a:prstGeom prst="rect">
             <a:avLst/>
           </a:prstGeom>
-          <a:solidFill>
-            <a:schemeClr val="accent1">
-              <a:lumMod val="20000"/>
-              <a:lumOff val="80000"/>
-            </a:schemeClr>
-          </a:solidFill>
-          <a:ln>
-            <a:solidFill>
-              <a:schemeClr val="accent1">
-                <a:lumMod val="20000"/>
-                <a:lumOff val="80000"/>
-              </a:schemeClr>
-            </a:solidFill>
-          </a:ln>
+          <a:noFill/>
         </p:spPr>
-        <p:style>
-          <a:lnRef idx="2">
-            <a:schemeClr val="accent1">
-              <a:shade val="15000"/>
-            </a:schemeClr>
-          </a:lnRef>
-          <a:fillRef idx="1">
-            <a:schemeClr val="accent1"/>
-          </a:fillRef>
-          <a:effectRef idx="0">
-            <a:schemeClr val="accent1"/>
-          </a:effectRef>
-          <a:fontRef idx="minor">
-            <a:schemeClr val="lt1"/>
-          </a:fontRef>
-        </p:style>
-        <p:txBody>
-          <a:bodyPr rtlCol="0" anchor="ctr"/>
+        <p:txBody>
+          <a:bodyPr wrap="square" rtlCol="0">
+            <a:spAutoFit/>
+          </a:bodyPr>
           <a:lstStyle/>
           <a:p>
             <a:pPr algn="ctr"/>
             <a:r>
-              <a:rPr lang="en-AU" sz="900" dirty="0">
-                <a:solidFill>
-                  <a:schemeClr val="tx1"/>
-                </a:solidFill>
-              </a:rPr>
-              <a:t>Donations form</a:t>
-            </a:r>
-          </a:p>
-        </p:txBody>
-      </p:sp>
-      <p:sp>
-        <p:nvSpPr>
-          <p:cNvPr id="55" name="Rectangle 54">
-            <a:extLst>
-              <a:ext uri="{FF2B5EF4-FFF2-40B4-BE49-F238E27FC236}">
-                <a16:creationId xmlns:a16="http://schemas.microsoft.com/office/drawing/2014/main" id="{8387AC9C-D5EA-A1E0-4324-54553361141E}"/>
-              </a:ext>
-            </a:extLst>
-          </p:cNvPr>
-          <p:cNvSpPr/>
-          <p:nvPr/>
-        </p:nvSpPr>
-        <p:spPr>
-          <a:xfrm>
-            <a:off x="8466396" y="3038474"/>
-            <a:ext cx="1525770" cy="576000"/>
-          </a:xfrm>
-          <a:prstGeom prst="rect">
-            <a:avLst/>
-          </a:prstGeom>
-          <a:solidFill>
-            <a:schemeClr val="accent1">
-              <a:lumMod val="20000"/>
-              <a:lumOff val="80000"/>
-            </a:schemeClr>
-          </a:solidFill>
-          <a:ln>
-            <a:solidFill>
-              <a:schemeClr val="accent1">
-                <a:lumMod val="20000"/>
-                <a:lumOff val="80000"/>
-              </a:schemeClr>
-            </a:solidFill>
-          </a:ln>
-        </p:spPr>
-        <p:style>
-          <a:lnRef idx="2">
-            <a:schemeClr val="accent1">
-              <a:shade val="15000"/>
-            </a:schemeClr>
-          </a:lnRef>
-          <a:fillRef idx="1">
-            <a:schemeClr val="accent1"/>
-          </a:fillRef>
-          <a:effectRef idx="0">
-            <a:schemeClr val="accent1"/>
-          </a:effectRef>
-          <a:fontRef idx="minor">
-            <a:schemeClr val="lt1"/>
-          </a:fontRef>
-        </p:style>
-        <p:txBody>
-          <a:bodyPr rtlCol="0" anchor="ctr"/>
-          <a:lstStyle/>
-          <a:p>
-            <a:pPr algn="ctr"/>
-            <a:r>
-              <a:rPr lang="en-AU" sz="900" dirty="0">
-                <a:solidFill>
-                  <a:schemeClr val="tx1"/>
-                </a:solidFill>
-              </a:rPr>
-              <a:t>Donation confirmation</a:t>
+              <a:rPr lang="en-AU" sz="1100" b="1" dirty="0"/>
+              <a:t>Main navigation</a:t>
             </a:r>
           </a:p>
         </p:txBody>
       </p:sp>
       <p:cxnSp>
         <p:nvCxnSpPr>
-          <p:cNvPr id="74" name="Connector: Elbow 73">
-            <a:extLst>
-              <a:ext uri="{FF2B5EF4-FFF2-40B4-BE49-F238E27FC236}">
-                <a16:creationId xmlns:a16="http://schemas.microsoft.com/office/drawing/2014/main" id="{BABFF995-8BC7-EB12-5600-6D2D0C23C9F2}"/>
-              </a:ext>
-            </a:extLst>
-          </p:cNvPr>
-          <p:cNvCxnSpPr>
-            <a:stCxn id="19" idx="2"/>
-            <a:endCxn id="20" idx="0"/>
-          </p:cNvCxnSpPr>
+          <p:cNvPr id="5" name="Straight Connector 4">
+            <a:extLst>
+              <a:ext uri="{FF2B5EF4-FFF2-40B4-BE49-F238E27FC236}">
+                <a16:creationId xmlns:a16="http://schemas.microsoft.com/office/drawing/2014/main" id="{0DB63C75-D86B-5669-9E2B-C156F6F4044A}"/>
+              </a:ext>
+            </a:extLst>
+          </p:cNvPr>
+          <p:cNvCxnSpPr/>
           <p:nvPr/>
         </p:nvCxnSpPr>
         <p:spPr>
-          <a:xfrm rot="5400000">
-            <a:off x="3342506" y="-1258071"/>
-            <a:ext cx="487624" cy="5019366"/>
+          <a:xfrm>
+            <a:off x="1920240" y="1569240"/>
+            <a:ext cx="0" cy="711738"/>
           </a:xfrm>
-          <a:prstGeom prst="bentConnector3">
+          <a:prstGeom prst="line">
             <a:avLst/>
           </a:prstGeom>
           <a:ln>
             <a:solidFill>
-              <a:schemeClr val="tx2"/>
+              <a:schemeClr val="accent2"/>
             </a:solidFill>
-            <a:tailEnd type="triangle"/>
           </a:ln>
         </p:spPr>
         <p:style>
@@ -4868,35 +5657,33 @@
       </p:cxnSp>
       <p:cxnSp>
         <p:nvCxnSpPr>
-          <p:cNvPr id="75" name="Connector: Elbow 74">
-            <a:extLst>
-              <a:ext uri="{FF2B5EF4-FFF2-40B4-BE49-F238E27FC236}">
-                <a16:creationId xmlns:a16="http://schemas.microsoft.com/office/drawing/2014/main" id="{1FD6105E-F620-82BF-35CB-034D74837D1F}"/>
+          <p:cNvPr id="7" name="Straight Connector 6">
+            <a:extLst>
+              <a:ext uri="{FF2B5EF4-FFF2-40B4-BE49-F238E27FC236}">
+                <a16:creationId xmlns:a16="http://schemas.microsoft.com/office/drawing/2014/main" id="{2EFDEEFE-B61A-F994-8D8F-57FF4B596FB1}"/>
               </a:ext>
             </a:extLst>
           </p:cNvPr>
           <p:cNvCxnSpPr>
             <a:cxnSpLocks/>
-            <a:stCxn id="19" idx="2"/>
-            <a:endCxn id="26" idx="0"/>
           </p:cNvCxnSpPr>
           <p:nvPr/>
         </p:nvCxnSpPr>
         <p:spPr>
-          <a:xfrm rot="5400000">
-            <a:off x="4346379" y="-254198"/>
-            <a:ext cx="487624" cy="3011620"/>
+          <a:xfrm>
+            <a:off x="1920240" y="2383962"/>
+            <a:ext cx="0" cy="4188288"/>
           </a:xfrm>
-          <a:prstGeom prst="bentConnector3">
-            <a:avLst>
-              <a:gd name="adj1" fmla="val 50000"/>
-            </a:avLst>
+          <a:prstGeom prst="line">
+            <a:avLst/>
           </a:prstGeom>
           <a:ln>
             <a:solidFill>
-              <a:schemeClr val="tx2"/>
+              <a:schemeClr val="accent2">
+                <a:lumMod val="60000"/>
+                <a:lumOff val="40000"/>
+              </a:schemeClr>
             </a:solidFill>
-            <a:tailEnd type="triangle"/>
           </a:ln>
         </p:spPr>
         <p:style>
@@ -4914,843 +5701,69 @@
           </a:fontRef>
         </p:style>
       </p:cxnSp>
+      <p:sp>
+        <p:nvSpPr>
+          <p:cNvPr id="13" name="TextBox 12">
+            <a:extLst>
+              <a:ext uri="{FF2B5EF4-FFF2-40B4-BE49-F238E27FC236}">
+                <a16:creationId xmlns:a16="http://schemas.microsoft.com/office/drawing/2014/main" id="{1DC52EE0-46EE-D14D-EE2E-8F2A256D904F}"/>
+              </a:ext>
+            </a:extLst>
+          </p:cNvPr>
+          <p:cNvSpPr txBox="1"/>
+          <p:nvPr/>
+        </p:nvSpPr>
+        <p:spPr>
+          <a:xfrm>
+            <a:off x="294458" y="2459320"/>
+            <a:ext cx="1371601" cy="261610"/>
+          </a:xfrm>
+          <a:prstGeom prst="rect">
+            <a:avLst/>
+          </a:prstGeom>
+          <a:noFill/>
+        </p:spPr>
+        <p:txBody>
+          <a:bodyPr wrap="square" rtlCol="0">
+            <a:spAutoFit/>
+          </a:bodyPr>
+          <a:lstStyle/>
+          <a:p>
+            <a:pPr algn="ctr"/>
+            <a:r>
+              <a:rPr lang="en-AU" sz="1100" b="1" dirty="0"/>
+              <a:t>Sub pages</a:t>
+            </a:r>
+          </a:p>
+        </p:txBody>
+      </p:sp>
       <p:cxnSp>
         <p:nvCxnSpPr>
-          <p:cNvPr id="78" name="Connector: Elbow 77">
-            <a:extLst>
-              <a:ext uri="{FF2B5EF4-FFF2-40B4-BE49-F238E27FC236}">
-                <a16:creationId xmlns:a16="http://schemas.microsoft.com/office/drawing/2014/main" id="{8908553A-55D9-9F14-6B11-088108A1B655}"/>
-              </a:ext>
-            </a:extLst>
-          </p:cNvPr>
-          <p:cNvCxnSpPr>
-            <a:cxnSpLocks/>
-            <a:stCxn id="19" idx="2"/>
-            <a:endCxn id="21" idx="0"/>
-          </p:cNvCxnSpPr>
-          <p:nvPr/>
-        </p:nvCxnSpPr>
-        <p:spPr>
-          <a:xfrm rot="5400000">
-            <a:off x="5350253" y="749676"/>
-            <a:ext cx="487624" cy="1003873"/>
-          </a:xfrm>
-          <a:prstGeom prst="bentConnector3">
-            <a:avLst>
-              <a:gd name="adj1" fmla="val 50000"/>
-            </a:avLst>
-          </a:prstGeom>
-          <a:ln>
-            <a:solidFill>
-              <a:schemeClr val="tx2"/>
-            </a:solidFill>
-            <a:tailEnd type="triangle"/>
-          </a:ln>
-        </p:spPr>
-        <p:style>
-          <a:lnRef idx="2">
-            <a:schemeClr val="accent1"/>
-          </a:lnRef>
-          <a:fillRef idx="0">
-            <a:schemeClr val="accent1"/>
-          </a:fillRef>
-          <a:effectRef idx="1">
-            <a:schemeClr val="accent1"/>
-          </a:effectRef>
-          <a:fontRef idx="minor">
-            <a:schemeClr val="tx1"/>
-          </a:fontRef>
-        </p:style>
-      </p:cxnSp>
-      <p:cxnSp>
-        <p:nvCxnSpPr>
-          <p:cNvPr id="82" name="Connector: Elbow 81">
-            <a:extLst>
-              <a:ext uri="{FF2B5EF4-FFF2-40B4-BE49-F238E27FC236}">
-                <a16:creationId xmlns:a16="http://schemas.microsoft.com/office/drawing/2014/main" id="{1CB45202-8152-5354-5FBF-23B0C0C7781F}"/>
-              </a:ext>
-            </a:extLst>
-          </p:cNvPr>
-          <p:cNvCxnSpPr>
-            <a:cxnSpLocks/>
-            <a:stCxn id="19" idx="2"/>
-            <a:endCxn id="27" idx="0"/>
-          </p:cNvCxnSpPr>
-          <p:nvPr/>
-        </p:nvCxnSpPr>
-        <p:spPr>
-          <a:xfrm rot="16200000" flipH="1">
-            <a:off x="6354125" y="749675"/>
-            <a:ext cx="487624" cy="1003873"/>
-          </a:xfrm>
-          <a:prstGeom prst="bentConnector3">
-            <a:avLst>
-              <a:gd name="adj1" fmla="val 50000"/>
-            </a:avLst>
-          </a:prstGeom>
-          <a:ln>
-            <a:solidFill>
-              <a:schemeClr val="tx2"/>
-            </a:solidFill>
-            <a:tailEnd type="triangle"/>
-          </a:ln>
-        </p:spPr>
-        <p:style>
-          <a:lnRef idx="2">
-            <a:schemeClr val="accent1"/>
-          </a:lnRef>
-          <a:fillRef idx="0">
-            <a:schemeClr val="accent1"/>
-          </a:fillRef>
-          <a:effectRef idx="1">
-            <a:schemeClr val="accent1"/>
-          </a:effectRef>
-          <a:fontRef idx="minor">
-            <a:schemeClr val="tx1"/>
-          </a:fontRef>
-        </p:style>
-      </p:cxnSp>
-      <p:cxnSp>
-        <p:nvCxnSpPr>
-          <p:cNvPr id="85" name="Connector: Elbow 84">
-            <a:extLst>
-              <a:ext uri="{FF2B5EF4-FFF2-40B4-BE49-F238E27FC236}">
-                <a16:creationId xmlns:a16="http://schemas.microsoft.com/office/drawing/2014/main" id="{9F9935AB-D285-CA95-52A5-7E1F47ED3FC0}"/>
-              </a:ext>
-            </a:extLst>
-          </p:cNvPr>
-          <p:cNvCxnSpPr>
-            <a:cxnSpLocks/>
-            <a:stCxn id="19" idx="2"/>
-            <a:endCxn id="22" idx="0"/>
-          </p:cNvCxnSpPr>
-          <p:nvPr/>
-        </p:nvCxnSpPr>
-        <p:spPr>
-          <a:xfrm rot="16200000" flipH="1">
-            <a:off x="7357998" y="-254198"/>
-            <a:ext cx="487624" cy="3011619"/>
-          </a:xfrm>
-          <a:prstGeom prst="bentConnector3">
-            <a:avLst>
-              <a:gd name="adj1" fmla="val 50000"/>
-            </a:avLst>
-          </a:prstGeom>
-          <a:ln>
-            <a:solidFill>
-              <a:schemeClr val="tx2"/>
-            </a:solidFill>
-            <a:tailEnd type="triangle"/>
-          </a:ln>
-        </p:spPr>
-        <p:style>
-          <a:lnRef idx="2">
-            <a:schemeClr val="accent1"/>
-          </a:lnRef>
-          <a:fillRef idx="0">
-            <a:schemeClr val="accent1"/>
-          </a:fillRef>
-          <a:effectRef idx="1">
-            <a:schemeClr val="accent1"/>
-          </a:effectRef>
-          <a:fontRef idx="minor">
-            <a:schemeClr val="tx1"/>
-          </a:fontRef>
-        </p:style>
-      </p:cxnSp>
-      <p:cxnSp>
-        <p:nvCxnSpPr>
-          <p:cNvPr id="89" name="Connector: Elbow 88">
-            <a:extLst>
-              <a:ext uri="{FF2B5EF4-FFF2-40B4-BE49-F238E27FC236}">
-                <a16:creationId xmlns:a16="http://schemas.microsoft.com/office/drawing/2014/main" id="{7F23A89A-2CD6-8BCF-35E5-75EADD921156}"/>
-              </a:ext>
-            </a:extLst>
-          </p:cNvPr>
-          <p:cNvCxnSpPr>
-            <a:cxnSpLocks/>
-            <a:stCxn id="19" idx="2"/>
-            <a:endCxn id="28" idx="0"/>
-          </p:cNvCxnSpPr>
-          <p:nvPr/>
-        </p:nvCxnSpPr>
-        <p:spPr>
-          <a:xfrm rot="16200000" flipH="1">
-            <a:off x="8361872" y="-1258071"/>
-            <a:ext cx="487624" cy="5019366"/>
-          </a:xfrm>
-          <a:prstGeom prst="bentConnector3">
-            <a:avLst>
-              <a:gd name="adj1" fmla="val 50000"/>
-            </a:avLst>
-          </a:prstGeom>
-          <a:ln>
-            <a:solidFill>
-              <a:schemeClr val="tx2"/>
-            </a:solidFill>
-            <a:tailEnd type="triangle"/>
-          </a:ln>
-        </p:spPr>
-        <p:style>
-          <a:lnRef idx="2">
-            <a:schemeClr val="accent1"/>
-          </a:lnRef>
-          <a:fillRef idx="0">
-            <a:schemeClr val="accent1"/>
-          </a:fillRef>
-          <a:effectRef idx="1">
-            <a:schemeClr val="accent1"/>
-          </a:effectRef>
-          <a:fontRef idx="minor">
-            <a:schemeClr val="tx1"/>
-          </a:fontRef>
-        </p:style>
-      </p:cxnSp>
-      <p:cxnSp>
-        <p:nvCxnSpPr>
-          <p:cNvPr id="93" name="Connector: Elbow 92">
-            <a:extLst>
-              <a:ext uri="{FF2B5EF4-FFF2-40B4-BE49-F238E27FC236}">
-                <a16:creationId xmlns:a16="http://schemas.microsoft.com/office/drawing/2014/main" id="{9728AD46-2B1A-048F-7926-93592C019789}"/>
-              </a:ext>
-            </a:extLst>
-          </p:cNvPr>
-          <p:cNvCxnSpPr>
-            <a:cxnSpLocks/>
-            <a:endCxn id="32" idx="1"/>
-          </p:cNvCxnSpPr>
-          <p:nvPr/>
-        </p:nvCxnSpPr>
-        <p:spPr>
-          <a:xfrm rot="16200000" flipH="1">
-            <a:off x="-654613" y="3007975"/>
-            <a:ext cx="2026576" cy="153472"/>
-          </a:xfrm>
-          <a:prstGeom prst="bentConnector2">
-            <a:avLst/>
-          </a:prstGeom>
-          <a:ln>
-            <a:tailEnd type="triangle"/>
-          </a:ln>
-        </p:spPr>
-        <p:style>
-          <a:lnRef idx="2">
-            <a:schemeClr val="accent1"/>
-          </a:lnRef>
-          <a:fillRef idx="0">
-            <a:schemeClr val="accent1"/>
-          </a:fillRef>
-          <a:effectRef idx="1">
-            <a:schemeClr val="accent1"/>
-          </a:effectRef>
-          <a:fontRef idx="minor">
-            <a:schemeClr val="tx1"/>
-          </a:fontRef>
-        </p:style>
-      </p:cxnSp>
-      <p:cxnSp>
-        <p:nvCxnSpPr>
-          <p:cNvPr id="96" name="Straight Arrow Connector 95">
-            <a:extLst>
-              <a:ext uri="{FF2B5EF4-FFF2-40B4-BE49-F238E27FC236}">
-                <a16:creationId xmlns:a16="http://schemas.microsoft.com/office/drawing/2014/main" id="{D0379339-6D6B-266B-03AA-901E21CFC5C8}"/>
-              </a:ext>
-            </a:extLst>
-          </p:cNvPr>
-          <p:cNvCxnSpPr>
-            <a:endCxn id="31" idx="1"/>
-          </p:cNvCxnSpPr>
+          <p:cNvPr id="16" name="Straight Connector 15">
+            <a:extLst>
+              <a:ext uri="{FF2B5EF4-FFF2-40B4-BE49-F238E27FC236}">
+                <a16:creationId xmlns:a16="http://schemas.microsoft.com/office/drawing/2014/main" id="{2F9C8D88-3CBD-293E-6642-09D14701A9B6}"/>
+              </a:ext>
+            </a:extLst>
+          </p:cNvPr>
+          <p:cNvCxnSpPr/>
           <p:nvPr/>
         </p:nvCxnSpPr>
         <p:spPr>
           <a:xfrm>
-            <a:off x="289560" y="3326474"/>
-            <a:ext cx="145851" cy="0"/>
+            <a:off x="139700" y="2339512"/>
+            <a:ext cx="11860213" cy="0"/>
           </a:xfrm>
-          <a:prstGeom prst="straightConnector1">
+          <a:prstGeom prst="line">
             <a:avLst/>
           </a:prstGeom>
           <a:ln>
-            <a:tailEnd type="triangle"/>
-          </a:ln>
-        </p:spPr>
-        <p:style>
-          <a:lnRef idx="2">
-            <a:schemeClr val="accent1"/>
-          </a:lnRef>
-          <a:fillRef idx="0">
-            <a:schemeClr val="accent1"/>
-          </a:fillRef>
-          <a:effectRef idx="1">
-            <a:schemeClr val="accent1"/>
-          </a:effectRef>
-          <a:fontRef idx="minor">
-            <a:schemeClr val="tx1"/>
-          </a:fontRef>
-        </p:style>
-      </p:cxnSp>
-      <p:cxnSp>
-        <p:nvCxnSpPr>
-          <p:cNvPr id="97" name="Straight Arrow Connector 96">
-            <a:extLst>
-              <a:ext uri="{FF2B5EF4-FFF2-40B4-BE49-F238E27FC236}">
-                <a16:creationId xmlns:a16="http://schemas.microsoft.com/office/drawing/2014/main" id="{DF3F4667-5A41-6D0A-65E3-926A79CAAA0E}"/>
-              </a:ext>
-            </a:extLst>
-          </p:cNvPr>
-          <p:cNvCxnSpPr>
-            <a:cxnSpLocks/>
-            <a:endCxn id="30" idx="1"/>
-          </p:cNvCxnSpPr>
-          <p:nvPr/>
-        </p:nvCxnSpPr>
-        <p:spPr>
-          <a:xfrm>
-            <a:off x="281938" y="2554949"/>
-            <a:ext cx="153473" cy="0"/>
-          </a:xfrm>
-          <a:prstGeom prst="straightConnector1">
-            <a:avLst/>
-          </a:prstGeom>
-          <a:ln>
-            <a:tailEnd type="triangle"/>
-          </a:ln>
-        </p:spPr>
-        <p:style>
-          <a:lnRef idx="2">
-            <a:schemeClr val="accent1"/>
-          </a:lnRef>
-          <a:fillRef idx="0">
-            <a:schemeClr val="accent1"/>
-          </a:fillRef>
-          <a:effectRef idx="1">
-            <a:schemeClr val="accent1"/>
-          </a:effectRef>
-          <a:fontRef idx="minor">
-            <a:schemeClr val="tx1"/>
-          </a:fontRef>
-        </p:style>
-      </p:cxnSp>
-      <p:cxnSp>
-        <p:nvCxnSpPr>
-          <p:cNvPr id="99" name="Connector: Elbow 98">
-            <a:extLst>
-              <a:ext uri="{FF2B5EF4-FFF2-40B4-BE49-F238E27FC236}">
-                <a16:creationId xmlns:a16="http://schemas.microsoft.com/office/drawing/2014/main" id="{9BE81D69-3F7C-8BAB-D0D4-7419988C9CCB}"/>
-              </a:ext>
-            </a:extLst>
-          </p:cNvPr>
-          <p:cNvCxnSpPr>
-            <a:cxnSpLocks/>
-            <a:endCxn id="36" idx="1"/>
-          </p:cNvCxnSpPr>
-          <p:nvPr/>
-        </p:nvCxnSpPr>
-        <p:spPr>
-          <a:xfrm rot="16200000" flipH="1">
-            <a:off x="1748483" y="2631800"/>
-            <a:ext cx="1255052" cy="134296"/>
-          </a:xfrm>
-          <a:prstGeom prst="bentConnector2">
-            <a:avLst/>
-          </a:prstGeom>
-          <a:ln>
-            <a:tailEnd type="triangle"/>
-          </a:ln>
-        </p:spPr>
-        <p:style>
-          <a:lnRef idx="2">
-            <a:schemeClr val="accent1"/>
-          </a:lnRef>
-          <a:fillRef idx="0">
-            <a:schemeClr val="accent1"/>
-          </a:fillRef>
-          <a:effectRef idx="1">
-            <a:schemeClr val="accent1"/>
-          </a:effectRef>
-          <a:fontRef idx="minor">
-            <a:schemeClr val="tx1"/>
-          </a:fontRef>
-        </p:style>
-      </p:cxnSp>
-      <p:cxnSp>
-        <p:nvCxnSpPr>
-          <p:cNvPr id="102" name="Connector: Elbow 101">
-            <a:extLst>
-              <a:ext uri="{FF2B5EF4-FFF2-40B4-BE49-F238E27FC236}">
-                <a16:creationId xmlns:a16="http://schemas.microsoft.com/office/drawing/2014/main" id="{BDB0E267-F923-E789-11FB-7FBCA53C79D5}"/>
-              </a:ext>
-            </a:extLst>
-          </p:cNvPr>
-          <p:cNvCxnSpPr>
-            <a:cxnSpLocks/>
-          </p:cNvCxnSpPr>
-          <p:nvPr/>
-        </p:nvCxnSpPr>
-        <p:spPr>
-          <a:xfrm rot="16200000" flipH="1">
-            <a:off x="2573541" y="3789086"/>
-            <a:ext cx="3569628" cy="134297"/>
-          </a:xfrm>
-          <a:prstGeom prst="bentConnector2">
-            <a:avLst/>
-          </a:prstGeom>
-          <a:ln>
-            <a:tailEnd type="triangle"/>
-          </a:ln>
-        </p:spPr>
-        <p:style>
-          <a:lnRef idx="2">
-            <a:schemeClr val="accent1"/>
-          </a:lnRef>
-          <a:fillRef idx="0">
-            <a:schemeClr val="accent1"/>
-          </a:fillRef>
-          <a:effectRef idx="1">
-            <a:schemeClr val="accent1"/>
-          </a:effectRef>
-          <a:fontRef idx="minor">
-            <a:schemeClr val="tx1"/>
-          </a:fontRef>
-        </p:style>
-      </p:cxnSp>
-      <p:cxnSp>
-        <p:nvCxnSpPr>
-          <p:cNvPr id="106" name="Connector: Elbow 105">
-            <a:extLst>
-              <a:ext uri="{FF2B5EF4-FFF2-40B4-BE49-F238E27FC236}">
-                <a16:creationId xmlns:a16="http://schemas.microsoft.com/office/drawing/2014/main" id="{18C17D2D-E411-0201-B8F5-68812A940E72}"/>
-              </a:ext>
-            </a:extLst>
-          </p:cNvPr>
-          <p:cNvCxnSpPr>
-            <a:cxnSpLocks/>
-            <a:endCxn id="51" idx="1"/>
-          </p:cNvCxnSpPr>
-          <p:nvPr/>
-        </p:nvCxnSpPr>
-        <p:spPr>
-          <a:xfrm rot="16200000" flipH="1">
-            <a:off x="4976574" y="3387448"/>
-            <a:ext cx="2798104" cy="166048"/>
-          </a:xfrm>
-          <a:prstGeom prst="bentConnector2">
-            <a:avLst/>
-          </a:prstGeom>
-          <a:ln>
-            <a:tailEnd type="triangle"/>
-          </a:ln>
-        </p:spPr>
-        <p:style>
-          <a:lnRef idx="2">
-            <a:schemeClr val="accent1"/>
-          </a:lnRef>
-          <a:fillRef idx="0">
-            <a:schemeClr val="accent1"/>
-          </a:fillRef>
-          <a:effectRef idx="1">
-            <a:schemeClr val="accent1"/>
-          </a:effectRef>
-          <a:fontRef idx="minor">
-            <a:schemeClr val="tx1"/>
-          </a:fontRef>
-        </p:style>
-      </p:cxnSp>
-      <p:cxnSp>
-        <p:nvCxnSpPr>
-          <p:cNvPr id="109" name="Connector: Elbow 108">
-            <a:extLst>
-              <a:ext uri="{FF2B5EF4-FFF2-40B4-BE49-F238E27FC236}">
-                <a16:creationId xmlns:a16="http://schemas.microsoft.com/office/drawing/2014/main" id="{18C6FDB8-AD07-4E49-21C6-9A8F6ABB05DB}"/>
-              </a:ext>
-            </a:extLst>
-          </p:cNvPr>
-          <p:cNvCxnSpPr>
-            <a:cxnSpLocks/>
-            <a:endCxn id="55" idx="1"/>
-          </p:cNvCxnSpPr>
-          <p:nvPr/>
-        </p:nvCxnSpPr>
-        <p:spPr>
-          <a:xfrm rot="16200000" flipH="1">
-            <a:off x="7759790" y="2619868"/>
-            <a:ext cx="1255056" cy="158156"/>
-          </a:xfrm>
-          <a:prstGeom prst="bentConnector2">
-            <a:avLst/>
-          </a:prstGeom>
-          <a:ln>
-            <a:tailEnd type="triangle"/>
-          </a:ln>
-        </p:spPr>
-        <p:style>
-          <a:lnRef idx="2">
-            <a:schemeClr val="accent1"/>
-          </a:lnRef>
-          <a:fillRef idx="0">
-            <a:schemeClr val="accent1"/>
-          </a:fillRef>
-          <a:effectRef idx="1">
-            <a:schemeClr val="accent1"/>
-          </a:effectRef>
-          <a:fontRef idx="minor">
-            <a:schemeClr val="tx1"/>
-          </a:fontRef>
-        </p:style>
-      </p:cxnSp>
-      <p:cxnSp>
-        <p:nvCxnSpPr>
-          <p:cNvPr id="112" name="Straight Arrow Connector 111">
-            <a:extLst>
-              <a:ext uri="{FF2B5EF4-FFF2-40B4-BE49-F238E27FC236}">
-                <a16:creationId xmlns:a16="http://schemas.microsoft.com/office/drawing/2014/main" id="{74CDCEE0-DFCD-FABD-6CA8-8A6C8EDCBA89}"/>
-              </a:ext>
-            </a:extLst>
-          </p:cNvPr>
-          <p:cNvCxnSpPr>
-            <a:cxnSpLocks/>
-            <a:endCxn id="35" idx="1"/>
-          </p:cNvCxnSpPr>
-          <p:nvPr/>
-        </p:nvCxnSpPr>
-        <p:spPr>
-          <a:xfrm>
-            <a:off x="2308861" y="2554949"/>
-            <a:ext cx="134296" cy="0"/>
-          </a:xfrm>
-          <a:prstGeom prst="straightConnector1">
-            <a:avLst/>
-          </a:prstGeom>
-          <a:ln>
-            <a:tailEnd type="triangle"/>
-          </a:ln>
-        </p:spPr>
-        <p:style>
-          <a:lnRef idx="2">
-            <a:schemeClr val="accent1"/>
-          </a:lnRef>
-          <a:fillRef idx="0">
-            <a:schemeClr val="accent1"/>
-          </a:fillRef>
-          <a:effectRef idx="1">
-            <a:schemeClr val="accent1"/>
-          </a:effectRef>
-          <a:fontRef idx="minor">
-            <a:schemeClr val="tx1"/>
-          </a:fontRef>
-        </p:style>
-      </p:cxnSp>
-      <p:cxnSp>
-        <p:nvCxnSpPr>
-          <p:cNvPr id="115" name="Straight Arrow Connector 114">
-            <a:extLst>
-              <a:ext uri="{FF2B5EF4-FFF2-40B4-BE49-F238E27FC236}">
-                <a16:creationId xmlns:a16="http://schemas.microsoft.com/office/drawing/2014/main" id="{0BFE9103-E8BA-0AB6-9842-EEDA29554428}"/>
-              </a:ext>
-            </a:extLst>
-          </p:cNvPr>
-          <p:cNvCxnSpPr>
-            <a:cxnSpLocks/>
-          </p:cNvCxnSpPr>
-          <p:nvPr/>
-        </p:nvCxnSpPr>
-        <p:spPr>
-          <a:xfrm>
-            <a:off x="4291206" y="2554949"/>
-            <a:ext cx="153473" cy="0"/>
-          </a:xfrm>
-          <a:prstGeom prst="straightConnector1">
-            <a:avLst/>
-          </a:prstGeom>
-          <a:ln>
-            <a:tailEnd type="triangle"/>
-          </a:ln>
-        </p:spPr>
-        <p:style>
-          <a:lnRef idx="2">
-            <a:schemeClr val="accent1"/>
-          </a:lnRef>
-          <a:fillRef idx="0">
-            <a:schemeClr val="accent1"/>
-          </a:fillRef>
-          <a:effectRef idx="1">
-            <a:schemeClr val="accent1"/>
-          </a:effectRef>
-          <a:fontRef idx="minor">
-            <a:schemeClr val="tx1"/>
-          </a:fontRef>
-        </p:style>
-      </p:cxnSp>
-      <p:cxnSp>
-        <p:nvCxnSpPr>
-          <p:cNvPr id="116" name="Straight Arrow Connector 115">
-            <a:extLst>
-              <a:ext uri="{FF2B5EF4-FFF2-40B4-BE49-F238E27FC236}">
-                <a16:creationId xmlns:a16="http://schemas.microsoft.com/office/drawing/2014/main" id="{113C2BC3-BE0C-25FE-5208-05DCBF3CAD9F}"/>
-              </a:ext>
-            </a:extLst>
-          </p:cNvPr>
-          <p:cNvCxnSpPr>
-            <a:cxnSpLocks/>
-          </p:cNvCxnSpPr>
-          <p:nvPr/>
-        </p:nvCxnSpPr>
-        <p:spPr>
-          <a:xfrm>
-            <a:off x="4291206" y="4869524"/>
-            <a:ext cx="153473" cy="0"/>
-          </a:xfrm>
-          <a:prstGeom prst="straightConnector1">
-            <a:avLst/>
-          </a:prstGeom>
-          <a:ln>
-            <a:tailEnd type="triangle"/>
-          </a:ln>
-        </p:spPr>
-        <p:style>
-          <a:lnRef idx="2">
-            <a:schemeClr val="accent1"/>
-          </a:lnRef>
-          <a:fillRef idx="0">
-            <a:schemeClr val="accent1"/>
-          </a:fillRef>
-          <a:effectRef idx="1">
-            <a:schemeClr val="accent1"/>
-          </a:effectRef>
-          <a:fontRef idx="minor">
-            <a:schemeClr val="tx1"/>
-          </a:fontRef>
-        </p:style>
-      </p:cxnSp>
-      <p:cxnSp>
-        <p:nvCxnSpPr>
-          <p:cNvPr id="117" name="Straight Arrow Connector 116">
-            <a:extLst>
-              <a:ext uri="{FF2B5EF4-FFF2-40B4-BE49-F238E27FC236}">
-                <a16:creationId xmlns:a16="http://schemas.microsoft.com/office/drawing/2014/main" id="{731E0C53-2035-4CE4-AD1B-D3AA5D3D90AD}"/>
-              </a:ext>
-            </a:extLst>
-          </p:cNvPr>
-          <p:cNvCxnSpPr>
-            <a:cxnSpLocks/>
-          </p:cNvCxnSpPr>
-          <p:nvPr/>
-        </p:nvCxnSpPr>
-        <p:spPr>
-          <a:xfrm>
-            <a:off x="4291206" y="3326474"/>
-            <a:ext cx="153473" cy="0"/>
-          </a:xfrm>
-          <a:prstGeom prst="straightConnector1">
-            <a:avLst/>
-          </a:prstGeom>
-          <a:ln>
-            <a:tailEnd type="triangle"/>
-          </a:ln>
-        </p:spPr>
-        <p:style>
-          <a:lnRef idx="2">
-            <a:schemeClr val="accent1"/>
-          </a:lnRef>
-          <a:fillRef idx="0">
-            <a:schemeClr val="accent1"/>
-          </a:fillRef>
-          <a:effectRef idx="1">
-            <a:schemeClr val="accent1"/>
-          </a:effectRef>
-          <a:fontRef idx="minor">
-            <a:schemeClr val="tx1"/>
-          </a:fontRef>
-        </p:style>
-      </p:cxnSp>
-      <p:cxnSp>
-        <p:nvCxnSpPr>
-          <p:cNvPr id="118" name="Straight Arrow Connector 117">
-            <a:extLst>
-              <a:ext uri="{FF2B5EF4-FFF2-40B4-BE49-F238E27FC236}">
-                <a16:creationId xmlns:a16="http://schemas.microsoft.com/office/drawing/2014/main" id="{BF4E455F-3D01-45A2-F2BD-4AEBF577B60B}"/>
-              </a:ext>
-            </a:extLst>
-          </p:cNvPr>
-          <p:cNvCxnSpPr>
-            <a:cxnSpLocks/>
-          </p:cNvCxnSpPr>
-          <p:nvPr/>
-        </p:nvCxnSpPr>
-        <p:spPr>
-          <a:xfrm>
-            <a:off x="4291206" y="4097999"/>
-            <a:ext cx="153473" cy="0"/>
-          </a:xfrm>
-          <a:prstGeom prst="straightConnector1">
-            <a:avLst/>
-          </a:prstGeom>
-          <a:ln>
-            <a:tailEnd type="triangle"/>
-          </a:ln>
-        </p:spPr>
-        <p:style>
-          <a:lnRef idx="2">
-            <a:schemeClr val="accent1"/>
-          </a:lnRef>
-          <a:fillRef idx="0">
-            <a:schemeClr val="accent1"/>
-          </a:fillRef>
-          <a:effectRef idx="1">
-            <a:schemeClr val="accent1"/>
-          </a:effectRef>
-          <a:fontRef idx="minor">
-            <a:schemeClr val="tx1"/>
-          </a:fontRef>
-        </p:style>
-      </p:cxnSp>
-      <p:cxnSp>
-        <p:nvCxnSpPr>
-          <p:cNvPr id="120" name="Straight Arrow Connector 119">
-            <a:extLst>
-              <a:ext uri="{FF2B5EF4-FFF2-40B4-BE49-F238E27FC236}">
-                <a16:creationId xmlns:a16="http://schemas.microsoft.com/office/drawing/2014/main" id="{11A83820-10AB-0523-A4B7-A3CD2EE675A2}"/>
-              </a:ext>
-            </a:extLst>
-          </p:cNvPr>
-          <p:cNvCxnSpPr>
-            <a:cxnSpLocks/>
-          </p:cNvCxnSpPr>
-          <p:nvPr/>
-        </p:nvCxnSpPr>
-        <p:spPr>
-          <a:xfrm>
-            <a:off x="6298827" y="2550848"/>
-            <a:ext cx="153473" cy="0"/>
-          </a:xfrm>
-          <a:prstGeom prst="straightConnector1">
-            <a:avLst/>
-          </a:prstGeom>
-          <a:ln>
-            <a:tailEnd type="triangle"/>
-          </a:ln>
-        </p:spPr>
-        <p:style>
-          <a:lnRef idx="2">
-            <a:schemeClr val="accent1"/>
-          </a:lnRef>
-          <a:fillRef idx="0">
-            <a:schemeClr val="accent1"/>
-          </a:fillRef>
-          <a:effectRef idx="1">
-            <a:schemeClr val="accent1"/>
-          </a:effectRef>
-          <a:fontRef idx="minor">
-            <a:schemeClr val="tx1"/>
-          </a:fontRef>
-        </p:style>
-      </p:cxnSp>
-      <p:cxnSp>
-        <p:nvCxnSpPr>
-          <p:cNvPr id="121" name="Straight Arrow Connector 120">
-            <a:extLst>
-              <a:ext uri="{FF2B5EF4-FFF2-40B4-BE49-F238E27FC236}">
-                <a16:creationId xmlns:a16="http://schemas.microsoft.com/office/drawing/2014/main" id="{2FF760C0-18EE-6C0D-5644-F56024143D84}"/>
-              </a:ext>
-            </a:extLst>
-          </p:cNvPr>
-          <p:cNvCxnSpPr>
-            <a:cxnSpLocks/>
-          </p:cNvCxnSpPr>
-          <p:nvPr/>
-        </p:nvCxnSpPr>
-        <p:spPr>
-          <a:xfrm>
-            <a:off x="6298827" y="3322373"/>
-            <a:ext cx="153473" cy="0"/>
-          </a:xfrm>
-          <a:prstGeom prst="straightConnector1">
-            <a:avLst/>
-          </a:prstGeom>
-          <a:ln>
-            <a:tailEnd type="triangle"/>
-          </a:ln>
-        </p:spPr>
-        <p:style>
-          <a:lnRef idx="2">
-            <a:schemeClr val="accent1"/>
-          </a:lnRef>
-          <a:fillRef idx="0">
-            <a:schemeClr val="accent1"/>
-          </a:fillRef>
-          <a:effectRef idx="1">
-            <a:schemeClr val="accent1"/>
-          </a:effectRef>
-          <a:fontRef idx="minor">
-            <a:schemeClr val="tx1"/>
-          </a:fontRef>
-        </p:style>
-      </p:cxnSp>
-      <p:cxnSp>
-        <p:nvCxnSpPr>
-          <p:cNvPr id="122" name="Straight Arrow Connector 121">
-            <a:extLst>
-              <a:ext uri="{FF2B5EF4-FFF2-40B4-BE49-F238E27FC236}">
-                <a16:creationId xmlns:a16="http://schemas.microsoft.com/office/drawing/2014/main" id="{1C75CB9B-5EA8-4FA6-A3E5-379A80450102}"/>
-              </a:ext>
-            </a:extLst>
-          </p:cNvPr>
-          <p:cNvCxnSpPr>
-            <a:cxnSpLocks/>
-          </p:cNvCxnSpPr>
-          <p:nvPr/>
-        </p:nvCxnSpPr>
-        <p:spPr>
-          <a:xfrm>
-            <a:off x="6298827" y="4093898"/>
-            <a:ext cx="153473" cy="0"/>
-          </a:xfrm>
-          <a:prstGeom prst="straightConnector1">
-            <a:avLst/>
-          </a:prstGeom>
-          <a:ln>
-            <a:tailEnd type="triangle"/>
-          </a:ln>
-        </p:spPr>
-        <p:style>
-          <a:lnRef idx="2">
-            <a:schemeClr val="accent1"/>
-          </a:lnRef>
-          <a:fillRef idx="0">
-            <a:schemeClr val="accent1"/>
-          </a:fillRef>
-          <a:effectRef idx="1">
-            <a:schemeClr val="accent1"/>
-          </a:effectRef>
-          <a:fontRef idx="minor">
-            <a:schemeClr val="tx1"/>
-          </a:fontRef>
-        </p:style>
-      </p:cxnSp>
-      <p:cxnSp>
-        <p:nvCxnSpPr>
-          <p:cNvPr id="124" name="Straight Arrow Connector 123">
-            <a:extLst>
-              <a:ext uri="{FF2B5EF4-FFF2-40B4-BE49-F238E27FC236}">
-                <a16:creationId xmlns:a16="http://schemas.microsoft.com/office/drawing/2014/main" id="{0D553E9C-D276-B539-C41B-2D6AAE14D822}"/>
-              </a:ext>
-            </a:extLst>
-          </p:cNvPr>
-          <p:cNvCxnSpPr>
-            <a:cxnSpLocks/>
-          </p:cNvCxnSpPr>
-          <p:nvPr/>
-        </p:nvCxnSpPr>
-        <p:spPr>
-          <a:xfrm>
-            <a:off x="8312923" y="2550848"/>
-            <a:ext cx="153473" cy="0"/>
-          </a:xfrm>
-          <a:prstGeom prst="straightConnector1">
-            <a:avLst/>
-          </a:prstGeom>
-          <a:ln>
-            <a:tailEnd type="triangle"/>
+            <a:solidFill>
+              <a:schemeClr val="bg1">
+                <a:lumMod val="75000"/>
+              </a:schemeClr>
+            </a:solidFill>
+            <a:prstDash val="lgDash"/>
           </a:ln>
         </p:spPr>
         <p:style>
